--- a/Eager/paper/socc15/figures/Socc_Poster.pptx
+++ b/Eager/paper/socc15/figures/Socc_Poster.pptx
@@ -3237,8 +3237,8 @@
         </p:nvSpPr>
         <p:spPr>
           <a:xfrm>
-            <a:off x="334768" y="7123171"/>
-            <a:ext cx="29597738" cy="6350111"/>
+            <a:off x="334768" y="7123172"/>
+            <a:ext cx="29597738" cy="5245744"/>
           </a:xfrm>
           <a:prstGeom prst="roundRect">
             <a:avLst/>
@@ -3270,7 +3270,7 @@
           <a:p>
             <a:pPr algn="ctr"/>
             <a:r>
-              <a:rPr lang="en-US" sz="7200" b="1" dirty="0" smtClean="0">
+              <a:rPr lang="en-US" sz="6600" b="1" dirty="0" smtClean="0">
                 <a:solidFill>
                   <a:srgbClr val="000000"/>
                 </a:solidFill>
@@ -3281,14 +3281,14 @@
           <a:p>
             <a:pPr algn="just"/>
             <a:r>
-              <a:rPr lang="en-US" sz="6000" dirty="0" smtClean="0">
+              <a:rPr lang="en-US" sz="5400" dirty="0" smtClean="0">
                 <a:solidFill>
                   <a:srgbClr val="000000"/>
                 </a:solidFill>
               </a:rPr>
-              <a:t>Modern cloud platforms do not provide any guarantees regarding the performance of deployed applications. This makes it difficult to use cloud-hosted web applications and web APIs for developing other performance-critical applications, and user-facing interactive programs. Without proper tools to reason about the performance of cloud applications, developers must resort to extensive testing and profiling, which is both tedious and costly.</a:t>
-            </a:r>
-            <a:endParaRPr lang="en-US" sz="6600" dirty="0">
+              <a:t>Modern cloud platforms do not provide any guarantees regarding the performance of deployed applications. This makes it difficult to use cloud-hosted web applications and web APIs for developing a wide range of other programs. Without proper tools to reason about the performance of cloud applications, developers must resort to extensive testing and profiling, which is tedious and costly.</a:t>
+            </a:r>
+            <a:endParaRPr lang="en-US" sz="6000" dirty="0">
               <a:solidFill>
                 <a:srgbClr val="000000"/>
               </a:solidFill>
@@ -3296,6 +3296,732 @@
           </a:p>
         </p:txBody>
       </p:sp>
+      <p:sp>
+        <p:nvSpPr>
+          <p:cNvPr id="12" name="Rounded Rectangle 11"/>
+          <p:cNvSpPr/>
+          <p:nvPr/>
+        </p:nvSpPr>
+        <p:spPr>
+          <a:xfrm>
+            <a:off x="376728" y="12631712"/>
+            <a:ext cx="29597738" cy="5038167"/>
+          </a:xfrm>
+          <a:prstGeom prst="roundRect">
+            <a:avLst/>
+          </a:prstGeom>
+          <a:noFill/>
+          <a:ln>
+            <a:solidFill>
+              <a:schemeClr val="tx1"/>
+            </a:solidFill>
+          </a:ln>
+        </p:spPr>
+        <p:style>
+          <a:lnRef idx="1">
+            <a:schemeClr val="accent1"/>
+          </a:lnRef>
+          <a:fillRef idx="3">
+            <a:schemeClr val="accent1"/>
+          </a:fillRef>
+          <a:effectRef idx="2">
+            <a:schemeClr val="accent1"/>
+          </a:effectRef>
+          <a:fontRef idx="minor">
+            <a:schemeClr val="lt1"/>
+          </a:fontRef>
+        </p:style>
+        <p:txBody>
+          <a:bodyPr rtlCol="0" anchor="ctr"/>
+          <a:lstStyle/>
+          <a:p>
+            <a:pPr algn="ctr"/>
+            <a:r>
+              <a:rPr lang="en-US" sz="6600" b="1" dirty="0" smtClean="0">
+                <a:solidFill>
+                  <a:srgbClr val="000000"/>
+                </a:solidFill>
+              </a:rPr>
+              <a:t>Our Solution</a:t>
+            </a:r>
+          </a:p>
+          <a:p>
+            <a:pPr algn="just"/>
+            <a:r>
+              <a:rPr lang="en-US" sz="5400" dirty="0" smtClean="0">
+                <a:solidFill>
+                  <a:srgbClr val="000000"/>
+                </a:solidFill>
+              </a:rPr>
+              <a:t>We propose </a:t>
+            </a:r>
+            <a:r>
+              <a:rPr lang="en-US" sz="5400" b="1" dirty="0" smtClean="0">
+                <a:solidFill>
+                  <a:srgbClr val="000000"/>
+                </a:solidFill>
+              </a:rPr>
+              <a:t>Cerebro</a:t>
+            </a:r>
+            <a:r>
+              <a:rPr lang="en-US" sz="5400" dirty="0" smtClean="0">
+                <a:solidFill>
+                  <a:srgbClr val="000000"/>
+                </a:solidFill>
+              </a:rPr>
+              <a:t>, a new approach that predicts statistical bounds on the response time performance of web applications deployed in Platform-as-a-Service (</a:t>
+            </a:r>
+            <a:r>
+              <a:rPr lang="en-US" sz="5400" dirty="0" err="1" smtClean="0">
+                <a:solidFill>
+                  <a:srgbClr val="000000"/>
+                </a:solidFill>
+              </a:rPr>
+              <a:t>PaaS</a:t>
+            </a:r>
+            <a:r>
+              <a:rPr lang="en-US" sz="5400" dirty="0" smtClean="0">
+                <a:solidFill>
+                  <a:srgbClr val="000000"/>
+                </a:solidFill>
+              </a:rPr>
+              <a:t>) clouds. Cerebro combines static analysis of </a:t>
+            </a:r>
+            <a:r>
+              <a:rPr lang="en-US" sz="5400" dirty="0" err="1" smtClean="0">
+                <a:solidFill>
+                  <a:srgbClr val="000000"/>
+                </a:solidFill>
+              </a:rPr>
+              <a:t>PaaS</a:t>
+            </a:r>
+            <a:r>
+              <a:rPr lang="en-US" sz="5400" dirty="0" smtClean="0">
+                <a:solidFill>
+                  <a:srgbClr val="000000"/>
+                </a:solidFill>
+              </a:rPr>
+              <a:t> applications with runtime monitoring of the underlying cloud platform to automatically predict performance SLAs for cloud-hosted web applications.</a:t>
+            </a:r>
+            <a:endParaRPr lang="en-US" sz="6000" dirty="0">
+              <a:solidFill>
+                <a:srgbClr val="000000"/>
+              </a:solidFill>
+            </a:endParaRPr>
+          </a:p>
+        </p:txBody>
+      </p:sp>
+      <p:sp>
+        <p:nvSpPr>
+          <p:cNvPr id="13" name="Rounded Rectangle 12"/>
+          <p:cNvSpPr/>
+          <p:nvPr/>
+        </p:nvSpPr>
+        <p:spPr>
+          <a:xfrm>
+            <a:off x="334768" y="17924982"/>
+            <a:ext cx="14707090" cy="12013608"/>
+          </a:xfrm>
+          <a:prstGeom prst="roundRect">
+            <a:avLst/>
+          </a:prstGeom>
+          <a:noFill/>
+          <a:ln>
+            <a:solidFill>
+              <a:schemeClr val="tx1"/>
+            </a:solidFill>
+          </a:ln>
+        </p:spPr>
+        <p:style>
+          <a:lnRef idx="1">
+            <a:schemeClr val="accent1"/>
+          </a:lnRef>
+          <a:fillRef idx="3">
+            <a:schemeClr val="accent1"/>
+          </a:fillRef>
+          <a:effectRef idx="2">
+            <a:schemeClr val="accent1"/>
+          </a:effectRef>
+          <a:fontRef idx="minor">
+            <a:schemeClr val="lt1"/>
+          </a:fontRef>
+        </p:style>
+        <p:txBody>
+          <a:bodyPr rtlCol="0" anchor="t" anchorCtr="0"/>
+          <a:lstStyle/>
+          <a:p>
+            <a:pPr algn="ctr"/>
+            <a:r>
+              <a:rPr lang="en-US" sz="6600" b="1" dirty="0" err="1" smtClean="0">
+                <a:solidFill>
+                  <a:srgbClr val="000000"/>
+                </a:solidFill>
+              </a:rPr>
+              <a:t>PaaS</a:t>
+            </a:r>
+            <a:r>
+              <a:rPr lang="en-US" sz="6600" b="1" dirty="0" smtClean="0">
+                <a:solidFill>
+                  <a:srgbClr val="000000"/>
+                </a:solidFill>
+              </a:rPr>
+              <a:t>-hosted Applications</a:t>
+            </a:r>
+          </a:p>
+        </p:txBody>
+      </p:sp>
+      <p:pic>
+        <p:nvPicPr>
+          <p:cNvPr id="14" name="Picture 13" descr="cloud_app_model.png"/>
+          <p:cNvPicPr>
+            <a:picLocks noChangeAspect="1"/>
+          </p:cNvPicPr>
+          <p:nvPr/>
+        </p:nvPicPr>
+        <p:blipFill>
+          <a:blip r:embed="rId4">
+            <a:extLst>
+              <a:ext uri="{28A0092B-C50C-407E-A947-70E740481C1C}">
+                <a14:useLocalDpi xmlns:a14="http://schemas.microsoft.com/office/drawing/2010/main" val="0"/>
+              </a:ext>
+            </a:extLst>
+          </a:blip>
+          <a:stretch>
+            <a:fillRect/>
+          </a:stretch>
+        </p:blipFill>
+        <p:spPr>
+          <a:xfrm>
+            <a:off x="2198440" y="20231145"/>
+            <a:ext cx="10973416" cy="9347439"/>
+          </a:xfrm>
+          <a:prstGeom prst="rect">
+            <a:avLst/>
+          </a:prstGeom>
+        </p:spPr>
+      </p:pic>
+      <p:sp>
+        <p:nvSpPr>
+          <p:cNvPr id="20" name="Rounded Rectangle 19"/>
+          <p:cNvSpPr/>
+          <p:nvPr/>
+        </p:nvSpPr>
+        <p:spPr>
+          <a:xfrm>
+            <a:off x="15267376" y="17958315"/>
+            <a:ext cx="14707090" cy="11980275"/>
+          </a:xfrm>
+          <a:prstGeom prst="roundRect">
+            <a:avLst/>
+          </a:prstGeom>
+          <a:noFill/>
+          <a:ln>
+            <a:solidFill>
+              <a:schemeClr val="tx1"/>
+            </a:solidFill>
+          </a:ln>
+        </p:spPr>
+        <p:style>
+          <a:lnRef idx="1">
+            <a:schemeClr val="accent1"/>
+          </a:lnRef>
+          <a:fillRef idx="3">
+            <a:schemeClr val="accent1"/>
+          </a:fillRef>
+          <a:effectRef idx="2">
+            <a:schemeClr val="accent1"/>
+          </a:effectRef>
+          <a:fontRef idx="minor">
+            <a:schemeClr val="lt1"/>
+          </a:fontRef>
+        </p:style>
+        <p:txBody>
+          <a:bodyPr rtlCol="0" anchor="t" anchorCtr="0"/>
+          <a:lstStyle/>
+          <a:p>
+            <a:pPr algn="ctr"/>
+            <a:r>
+              <a:rPr lang="en-US" sz="6600" b="1" dirty="0" smtClean="0">
+                <a:solidFill>
+                  <a:srgbClr val="000000"/>
+                </a:solidFill>
+              </a:rPr>
+              <a:t>Cerebro Architecture</a:t>
+            </a:r>
+          </a:p>
+        </p:txBody>
+      </p:sp>
+      <p:pic>
+        <p:nvPicPr>
+          <p:cNvPr id="21" name="Picture 20" descr="cerebro_arch.png"/>
+          <p:cNvPicPr>
+            <a:picLocks noChangeAspect="1"/>
+          </p:cNvPicPr>
+          <p:nvPr/>
+        </p:nvPicPr>
+        <p:blipFill>
+          <a:blip r:embed="rId5">
+            <a:extLst>
+              <a:ext uri="{28A0092B-C50C-407E-A947-70E740481C1C}">
+                <a14:useLocalDpi xmlns:a14="http://schemas.microsoft.com/office/drawing/2010/main" val="0"/>
+              </a:ext>
+            </a:extLst>
+          </a:blip>
+          <a:stretch>
+            <a:fillRect/>
+          </a:stretch>
+        </p:blipFill>
+        <p:spPr>
+          <a:xfrm>
+            <a:off x="15683012" y="19546389"/>
+            <a:ext cx="14013638" cy="10062783"/>
+          </a:xfrm>
+          <a:prstGeom prst="rect">
+            <a:avLst/>
+          </a:prstGeom>
+        </p:spPr>
+      </p:pic>
+      <p:pic>
+        <p:nvPicPr>
+          <p:cNvPr id="23" name="Picture 22" descr="accuracy_summary.png"/>
+          <p:cNvPicPr>
+            <a:picLocks noChangeAspect="1"/>
+          </p:cNvPicPr>
+          <p:nvPr/>
+        </p:nvPicPr>
+        <p:blipFill>
+          <a:blip r:embed="rId6">
+            <a:extLst>
+              <a:ext uri="{28A0092B-C50C-407E-A947-70E740481C1C}">
+                <a14:useLocalDpi xmlns:a14="http://schemas.microsoft.com/office/drawing/2010/main" val="0"/>
+              </a:ext>
+            </a:extLst>
+          </a:blip>
+          <a:stretch>
+            <a:fillRect/>
+          </a:stretch>
+        </p:blipFill>
+        <p:spPr>
+          <a:xfrm>
+            <a:off x="1149807" y="32282823"/>
+            <a:ext cx="13262526" cy="8841686"/>
+          </a:xfrm>
+          <a:prstGeom prst="rect">
+            <a:avLst/>
+          </a:prstGeom>
+        </p:spPr>
+      </p:pic>
+      <p:sp>
+        <p:nvSpPr>
+          <p:cNvPr id="24" name="Rounded Rectangle 23"/>
+          <p:cNvSpPr/>
+          <p:nvPr/>
+        </p:nvSpPr>
+        <p:spPr>
+          <a:xfrm>
+            <a:off x="334768" y="30217543"/>
+            <a:ext cx="14707090" cy="12013608"/>
+          </a:xfrm>
+          <a:prstGeom prst="roundRect">
+            <a:avLst/>
+          </a:prstGeom>
+          <a:noFill/>
+          <a:ln>
+            <a:solidFill>
+              <a:schemeClr val="tx1"/>
+            </a:solidFill>
+          </a:ln>
+        </p:spPr>
+        <p:style>
+          <a:lnRef idx="1">
+            <a:schemeClr val="accent1"/>
+          </a:lnRef>
+          <a:fillRef idx="3">
+            <a:schemeClr val="accent1"/>
+          </a:fillRef>
+          <a:effectRef idx="2">
+            <a:schemeClr val="accent1"/>
+          </a:effectRef>
+          <a:fontRef idx="minor">
+            <a:schemeClr val="lt1"/>
+          </a:fontRef>
+        </p:style>
+        <p:txBody>
+          <a:bodyPr rtlCol="0" anchor="t" anchorCtr="0"/>
+          <a:lstStyle/>
+          <a:p>
+            <a:pPr algn="ctr"/>
+            <a:r>
+              <a:rPr lang="en-US" sz="6600" b="1" dirty="0" smtClean="0">
+                <a:solidFill>
+                  <a:srgbClr val="000000"/>
+                </a:solidFill>
+              </a:rPr>
+              <a:t>Prediction Accuracy</a:t>
+            </a:r>
+          </a:p>
+        </p:txBody>
+      </p:sp>
+      <p:sp>
+        <p:nvSpPr>
+          <p:cNvPr id="25" name="Rounded Rectangle 24"/>
+          <p:cNvSpPr/>
+          <p:nvPr/>
+        </p:nvSpPr>
+        <p:spPr>
+          <a:xfrm>
+            <a:off x="15267376" y="30217543"/>
+            <a:ext cx="14707090" cy="12013608"/>
+          </a:xfrm>
+          <a:prstGeom prst="roundRect">
+            <a:avLst/>
+          </a:prstGeom>
+          <a:noFill/>
+          <a:ln>
+            <a:solidFill>
+              <a:schemeClr val="tx1"/>
+            </a:solidFill>
+          </a:ln>
+        </p:spPr>
+        <p:style>
+          <a:lnRef idx="1">
+            <a:schemeClr val="accent1"/>
+          </a:lnRef>
+          <a:fillRef idx="3">
+            <a:schemeClr val="accent1"/>
+          </a:fillRef>
+          <a:effectRef idx="2">
+            <a:schemeClr val="accent1"/>
+          </a:effectRef>
+          <a:fontRef idx="minor">
+            <a:schemeClr val="lt1"/>
+          </a:fontRef>
+        </p:style>
+        <p:txBody>
+          <a:bodyPr rtlCol="0" anchor="t" anchorCtr="0"/>
+          <a:lstStyle/>
+          <a:p>
+            <a:pPr algn="ctr"/>
+            <a:r>
+              <a:rPr lang="en-US" sz="6600" b="1" dirty="0" smtClean="0">
+                <a:solidFill>
+                  <a:srgbClr val="000000"/>
+                </a:solidFill>
+              </a:rPr>
+              <a:t>Prediction Tightness</a:t>
+            </a:r>
+          </a:p>
+        </p:txBody>
+      </p:sp>
+      <p:pic>
+        <p:nvPicPr>
+          <p:cNvPr id="26" name="Picture 25" descr="diff_summary.png"/>
+          <p:cNvPicPr>
+            <a:picLocks/>
+          </p:cNvPicPr>
+          <p:nvPr/>
+        </p:nvPicPr>
+        <p:blipFill>
+          <a:blip r:embed="rId7">
+            <a:extLst>
+              <a:ext uri="{28A0092B-C50C-407E-A947-70E740481C1C}">
+                <a14:useLocalDpi xmlns:a14="http://schemas.microsoft.com/office/drawing/2010/main" val="0"/>
+              </a:ext>
+            </a:extLst>
+          </a:blip>
+          <a:stretch>
+            <a:fillRect/>
+          </a:stretch>
+        </p:blipFill>
+        <p:spPr>
+          <a:xfrm>
+            <a:off x="16045902" y="32282542"/>
+            <a:ext cx="13267944" cy="8842248"/>
+          </a:xfrm>
+          <a:prstGeom prst="rect">
+            <a:avLst/>
+          </a:prstGeom>
+        </p:spPr>
+      </p:pic>
+      <p:sp>
+        <p:nvSpPr>
+          <p:cNvPr id="28" name="Rectangular Callout 27"/>
+          <p:cNvSpPr/>
+          <p:nvPr/>
+        </p:nvSpPr>
+        <p:spPr>
+          <a:xfrm>
+            <a:off x="821025" y="26065553"/>
+            <a:ext cx="2347807" cy="1232997"/>
+          </a:xfrm>
+          <a:prstGeom prst="wedgeRectCallout">
+            <a:avLst>
+              <a:gd name="adj1" fmla="val 102908"/>
+              <a:gd name="adj2" fmla="val 54500"/>
+            </a:avLst>
+          </a:prstGeom>
+          <a:solidFill>
+            <a:srgbClr val="008000"/>
+          </a:solidFill>
+          <a:ln>
+            <a:noFill/>
+          </a:ln>
+        </p:spPr>
+        <p:style>
+          <a:lnRef idx="1">
+            <a:schemeClr val="accent1"/>
+          </a:lnRef>
+          <a:fillRef idx="3">
+            <a:schemeClr val="accent1"/>
+          </a:fillRef>
+          <a:effectRef idx="2">
+            <a:schemeClr val="accent1"/>
+          </a:effectRef>
+          <a:fontRef idx="minor">
+            <a:schemeClr val="lt1"/>
+          </a:fontRef>
+        </p:style>
+        <p:txBody>
+          <a:bodyPr rtlCol="0" anchor="ctr"/>
+          <a:lstStyle/>
+          <a:p>
+            <a:pPr algn="ctr"/>
+            <a:r>
+              <a:rPr lang="en-US" sz="2400" dirty="0" smtClean="0"/>
+              <a:t>90+% of the Application’s Execution Time</a:t>
+            </a:r>
+            <a:endParaRPr lang="en-US" sz="2400" dirty="0"/>
+          </a:p>
+        </p:txBody>
+      </p:sp>
+      <p:sp>
+        <p:nvSpPr>
+          <p:cNvPr id="30" name="Horizontal Scroll 29"/>
+          <p:cNvSpPr/>
+          <p:nvPr/>
+        </p:nvSpPr>
+        <p:spPr>
+          <a:xfrm>
+            <a:off x="16045902" y="20231145"/>
+            <a:ext cx="5684449" cy="1952008"/>
+          </a:xfrm>
+          <a:prstGeom prst="horizontalScroll">
+            <a:avLst/>
+          </a:prstGeom>
+          <a:solidFill>
+            <a:srgbClr val="008000"/>
+          </a:solidFill>
+          <a:ln>
+            <a:noFill/>
+          </a:ln>
+        </p:spPr>
+        <p:style>
+          <a:lnRef idx="1">
+            <a:schemeClr val="accent1"/>
+          </a:lnRef>
+          <a:fillRef idx="3">
+            <a:schemeClr val="accent1"/>
+          </a:fillRef>
+          <a:effectRef idx="2">
+            <a:schemeClr val="accent1"/>
+          </a:effectRef>
+          <a:fontRef idx="minor">
+            <a:schemeClr val="lt1"/>
+          </a:fontRef>
+        </p:style>
+        <p:txBody>
+          <a:bodyPr rtlCol="0" anchor="ctr"/>
+          <a:lstStyle/>
+          <a:p>
+            <a:pPr algn="ctr"/>
+            <a:r>
+              <a:rPr lang="en-US" sz="2400" dirty="0" smtClean="0"/>
+              <a:t>We implemented this architecture for Google App Engine public </a:t>
+            </a:r>
+            <a:r>
+              <a:rPr lang="en-US" sz="2400" dirty="0" err="1" smtClean="0"/>
+              <a:t>PaaS</a:t>
+            </a:r>
+            <a:r>
+              <a:rPr lang="en-US" sz="2400" dirty="0" smtClean="0"/>
+              <a:t>, and </a:t>
+            </a:r>
+            <a:r>
+              <a:rPr lang="en-US" sz="2400" dirty="0" err="1" smtClean="0"/>
+              <a:t>AppScale</a:t>
+            </a:r>
+            <a:r>
+              <a:rPr lang="en-US" sz="2400" dirty="0" smtClean="0"/>
+              <a:t> private </a:t>
+            </a:r>
+            <a:r>
+              <a:rPr lang="en-US" sz="2400" dirty="0" err="1" smtClean="0"/>
+              <a:t>PaaS</a:t>
+            </a:r>
+            <a:r>
+              <a:rPr lang="en-US" sz="2400" dirty="0" smtClean="0"/>
+              <a:t>.</a:t>
+            </a:r>
+            <a:endParaRPr lang="en-US" sz="2400" dirty="0"/>
+          </a:p>
+        </p:txBody>
+      </p:sp>
+      <p:sp>
+        <p:nvSpPr>
+          <p:cNvPr id="31" name="Rectangular Callout 30"/>
+          <p:cNvSpPr/>
+          <p:nvPr/>
+        </p:nvSpPr>
+        <p:spPr>
+          <a:xfrm>
+            <a:off x="22586211" y="32600677"/>
+            <a:ext cx="4312994" cy="1904590"/>
+          </a:xfrm>
+          <a:prstGeom prst="wedgeRectCallout">
+            <a:avLst>
+              <a:gd name="adj1" fmla="val -71240"/>
+              <a:gd name="adj2" fmla="val 24694"/>
+            </a:avLst>
+          </a:prstGeom>
+          <a:solidFill>
+            <a:srgbClr val="008000"/>
+          </a:solidFill>
+          <a:ln>
+            <a:noFill/>
+          </a:ln>
+        </p:spPr>
+        <p:style>
+          <a:lnRef idx="1">
+            <a:schemeClr val="accent1"/>
+          </a:lnRef>
+          <a:fillRef idx="3">
+            <a:schemeClr val="accent1"/>
+          </a:fillRef>
+          <a:effectRef idx="2">
+            <a:schemeClr val="accent1"/>
+          </a:effectRef>
+          <a:fontRef idx="minor">
+            <a:schemeClr val="lt1"/>
+          </a:fontRef>
+        </p:style>
+        <p:txBody>
+          <a:bodyPr rtlCol="0" anchor="ctr"/>
+          <a:lstStyle/>
+          <a:p>
+            <a:pPr algn="ctr"/>
+            <a:r>
+              <a:rPr lang="en-US" sz="2400" dirty="0" smtClean="0"/>
+              <a:t>When application performance is highly variable, Cerebro trades off tightness for accuracy.</a:t>
+            </a:r>
+            <a:endParaRPr lang="en-US" sz="2400" dirty="0"/>
+          </a:p>
+        </p:txBody>
+      </p:sp>
+      <p:sp>
+        <p:nvSpPr>
+          <p:cNvPr id="32" name="TextBox 31"/>
+          <p:cNvSpPr txBox="1"/>
+          <p:nvPr/>
+        </p:nvSpPr>
+        <p:spPr>
+          <a:xfrm>
+            <a:off x="1585901" y="41201925"/>
+            <a:ext cx="12390339" cy="461665"/>
+          </a:xfrm>
+          <a:prstGeom prst="rect">
+            <a:avLst/>
+          </a:prstGeom>
+          <a:noFill/>
+        </p:spPr>
+        <p:txBody>
+          <a:bodyPr wrap="square" rtlCol="0">
+            <a:spAutoFit/>
+          </a:bodyPr>
+          <a:lstStyle/>
+          <a:p>
+            <a:pPr algn="ctr"/>
+            <a:r>
+              <a:rPr lang="en-US" sz="2400" b="1" dirty="0" smtClean="0"/>
+              <a:t>Percentage of actual response time measurements lower than the predicted 95</a:t>
+            </a:r>
+            <a:r>
+              <a:rPr lang="en-US" sz="2400" b="1" baseline="30000" dirty="0" smtClean="0"/>
+              <a:t>th</a:t>
+            </a:r>
+            <a:r>
+              <a:rPr lang="en-US" sz="2400" b="1" dirty="0" smtClean="0"/>
+              <a:t> percentile SLA.</a:t>
+            </a:r>
+            <a:endParaRPr lang="en-US" sz="2400" b="1" dirty="0"/>
+          </a:p>
+        </p:txBody>
+      </p:sp>
+      <p:sp>
+        <p:nvSpPr>
+          <p:cNvPr id="33" name="TextBox 32"/>
+          <p:cNvSpPr txBox="1"/>
+          <p:nvPr/>
+        </p:nvSpPr>
+        <p:spPr>
+          <a:xfrm>
+            <a:off x="16484705" y="41201925"/>
+            <a:ext cx="12390339" cy="461665"/>
+          </a:xfrm>
+          <a:prstGeom prst="rect">
+            <a:avLst/>
+          </a:prstGeom>
+          <a:noFill/>
+        </p:spPr>
+        <p:txBody>
+          <a:bodyPr wrap="square" rtlCol="0">
+            <a:spAutoFit/>
+          </a:bodyPr>
+          <a:lstStyle/>
+          <a:p>
+            <a:pPr algn="ctr"/>
+            <a:r>
+              <a:rPr lang="en-US" sz="2400" b="1" dirty="0" smtClean="0"/>
+              <a:t>Average difference between predicted SLAs and actual response time measurements.</a:t>
+            </a:r>
+            <a:endParaRPr lang="en-US" sz="2400" b="1" dirty="0"/>
+          </a:p>
+        </p:txBody>
+      </p:sp>
+      <p:cxnSp>
+        <p:nvCxnSpPr>
+          <p:cNvPr id="35" name="Straight Connector 34"/>
+          <p:cNvCxnSpPr/>
+          <p:nvPr/>
+        </p:nvCxnSpPr>
+        <p:spPr>
+          <a:xfrm>
+            <a:off x="2409242" y="35652916"/>
+            <a:ext cx="12003091" cy="18676"/>
+          </a:xfrm>
+          <a:prstGeom prst="line">
+            <a:avLst/>
+          </a:prstGeom>
+          <a:ln>
+            <a:solidFill>
+              <a:srgbClr val="008000"/>
+            </a:solidFill>
+          </a:ln>
+        </p:spPr>
+        <p:style>
+          <a:lnRef idx="2">
+            <a:schemeClr val="accent1"/>
+          </a:lnRef>
+          <a:fillRef idx="0">
+            <a:schemeClr val="accent1"/>
+          </a:fillRef>
+          <a:effectRef idx="1">
+            <a:schemeClr val="accent1"/>
+          </a:effectRef>
+          <a:fontRef idx="minor">
+            <a:schemeClr val="tx1"/>
+          </a:fontRef>
+        </p:style>
+      </p:cxnSp>
     </p:spTree>
     <p:extLst>
       <p:ext uri="{BB962C8B-B14F-4D97-AF65-F5344CB8AC3E}">

--- a/Eager/paper/socc15/figures/Socc_Poster.pptx
+++ b/Eager/paper/socc15/figures/Socc_Poster.pptx
@@ -7,14 +7,14 @@
   <p:sldIdLst>
     <p:sldId id="257" r:id="rId2"/>
   </p:sldIdLst>
-  <p:sldSz cx="30267275" cy="42794238"/>
+  <p:sldSz cx="6858000" cy="9906000" type="A4"/>
   <p:notesSz cx="6858000" cy="9144000"/>
   <p:defaultTextStyle>
     <a:defPPr>
       <a:defRPr lang="en-US"/>
     </a:defPPr>
-    <a:lvl1pPr marL="0" algn="l" defTabSz="2087438" rtl="0" eaLnBrk="1" latinLnBrk="0" hangingPunct="1">
-      <a:defRPr sz="8200" kern="1200">
+    <a:lvl1pPr marL="0" algn="l" defTabSz="478858" rtl="0" eaLnBrk="1" latinLnBrk="0" hangingPunct="1">
+      <a:defRPr sz="1900" kern="1200">
         <a:solidFill>
           <a:schemeClr val="tx1"/>
         </a:solidFill>
@@ -23,8 +23,8 @@
         <a:cs typeface="+mn-cs"/>
       </a:defRPr>
     </a:lvl1pPr>
-    <a:lvl2pPr marL="2087438" algn="l" defTabSz="2087438" rtl="0" eaLnBrk="1" latinLnBrk="0" hangingPunct="1">
-      <a:defRPr sz="8200" kern="1200">
+    <a:lvl2pPr marL="478858" algn="l" defTabSz="478858" rtl="0" eaLnBrk="1" latinLnBrk="0" hangingPunct="1">
+      <a:defRPr sz="1900" kern="1200">
         <a:solidFill>
           <a:schemeClr val="tx1"/>
         </a:solidFill>
@@ -33,8 +33,8 @@
         <a:cs typeface="+mn-cs"/>
       </a:defRPr>
     </a:lvl2pPr>
-    <a:lvl3pPr marL="4174876" algn="l" defTabSz="2087438" rtl="0" eaLnBrk="1" latinLnBrk="0" hangingPunct="1">
-      <a:defRPr sz="8200" kern="1200">
+    <a:lvl3pPr marL="957717" algn="l" defTabSz="478858" rtl="0" eaLnBrk="1" latinLnBrk="0" hangingPunct="1">
+      <a:defRPr sz="1900" kern="1200">
         <a:solidFill>
           <a:schemeClr val="tx1"/>
         </a:solidFill>
@@ -43,8 +43,8 @@
         <a:cs typeface="+mn-cs"/>
       </a:defRPr>
     </a:lvl3pPr>
-    <a:lvl4pPr marL="6262314" algn="l" defTabSz="2087438" rtl="0" eaLnBrk="1" latinLnBrk="0" hangingPunct="1">
-      <a:defRPr sz="8200" kern="1200">
+    <a:lvl4pPr marL="1436575" algn="l" defTabSz="478858" rtl="0" eaLnBrk="1" latinLnBrk="0" hangingPunct="1">
+      <a:defRPr sz="1900" kern="1200">
         <a:solidFill>
           <a:schemeClr val="tx1"/>
         </a:solidFill>
@@ -53,8 +53,8 @@
         <a:cs typeface="+mn-cs"/>
       </a:defRPr>
     </a:lvl4pPr>
-    <a:lvl5pPr marL="8349752" algn="l" defTabSz="2087438" rtl="0" eaLnBrk="1" latinLnBrk="0" hangingPunct="1">
-      <a:defRPr sz="8200" kern="1200">
+    <a:lvl5pPr marL="1915433" algn="l" defTabSz="478858" rtl="0" eaLnBrk="1" latinLnBrk="0" hangingPunct="1">
+      <a:defRPr sz="1900" kern="1200">
         <a:solidFill>
           <a:schemeClr val="tx1"/>
         </a:solidFill>
@@ -63,8 +63,8 @@
         <a:cs typeface="+mn-cs"/>
       </a:defRPr>
     </a:lvl5pPr>
-    <a:lvl6pPr marL="10437190" algn="l" defTabSz="2087438" rtl="0" eaLnBrk="1" latinLnBrk="0" hangingPunct="1">
-      <a:defRPr sz="8200" kern="1200">
+    <a:lvl6pPr marL="2394291" algn="l" defTabSz="478858" rtl="0" eaLnBrk="1" latinLnBrk="0" hangingPunct="1">
+      <a:defRPr sz="1900" kern="1200">
         <a:solidFill>
           <a:schemeClr val="tx1"/>
         </a:solidFill>
@@ -73,8 +73,8 @@
         <a:cs typeface="+mn-cs"/>
       </a:defRPr>
     </a:lvl6pPr>
-    <a:lvl7pPr marL="12524628" algn="l" defTabSz="2087438" rtl="0" eaLnBrk="1" latinLnBrk="0" hangingPunct="1">
-      <a:defRPr sz="8200" kern="1200">
+    <a:lvl7pPr marL="2873150" algn="l" defTabSz="478858" rtl="0" eaLnBrk="1" latinLnBrk="0" hangingPunct="1">
+      <a:defRPr sz="1900" kern="1200">
         <a:solidFill>
           <a:schemeClr val="tx1"/>
         </a:solidFill>
@@ -83,8 +83,8 @@
         <a:cs typeface="+mn-cs"/>
       </a:defRPr>
     </a:lvl7pPr>
-    <a:lvl8pPr marL="14612066" algn="l" defTabSz="2087438" rtl="0" eaLnBrk="1" latinLnBrk="0" hangingPunct="1">
-      <a:defRPr sz="8200" kern="1200">
+    <a:lvl8pPr marL="3352008" algn="l" defTabSz="478858" rtl="0" eaLnBrk="1" latinLnBrk="0" hangingPunct="1">
+      <a:defRPr sz="1900" kern="1200">
         <a:solidFill>
           <a:schemeClr val="tx1"/>
         </a:solidFill>
@@ -93,8 +93,8 @@
         <a:cs typeface="+mn-cs"/>
       </a:defRPr>
     </a:lvl8pPr>
-    <a:lvl9pPr marL="16699504" algn="l" defTabSz="2087438" rtl="0" eaLnBrk="1" latinLnBrk="0" hangingPunct="1">
-      <a:defRPr sz="8200" kern="1200">
+    <a:lvl9pPr marL="3830866" algn="l" defTabSz="478858" rtl="0" eaLnBrk="1" latinLnBrk="0" hangingPunct="1">
+      <a:defRPr sz="1900" kern="1200">
         <a:solidFill>
           <a:schemeClr val="tx1"/>
         </a:solidFill>
@@ -136,8 +136,8 @@
         </p:nvSpPr>
         <p:spPr>
           <a:xfrm>
-            <a:off x="2270046" y="13293953"/>
-            <a:ext cx="25727184" cy="9173024"/>
+            <a:off x="514350" y="3077281"/>
+            <a:ext cx="5829300" cy="2123369"/>
           </a:xfrm>
         </p:spPr>
         <p:txBody>
@@ -164,8 +164,8 @@
         </p:nvSpPr>
         <p:spPr>
           <a:xfrm>
-            <a:off x="4540092" y="24250068"/>
-            <a:ext cx="21187093" cy="10936305"/>
+            <a:off x="1028700" y="5613400"/>
+            <a:ext cx="4800600" cy="2531533"/>
           </a:xfrm>
         </p:spPr>
         <p:txBody>
@@ -181,7 +181,7 @@
                 </a:solidFill>
               </a:defRPr>
             </a:lvl1pPr>
-            <a:lvl2pPr marL="2087438" indent="0" algn="ctr">
+            <a:lvl2pPr marL="478858" indent="0" algn="ctr">
               <a:buNone/>
               <a:defRPr>
                 <a:solidFill>
@@ -191,7 +191,7 @@
                 </a:solidFill>
               </a:defRPr>
             </a:lvl2pPr>
-            <a:lvl3pPr marL="4174876" indent="0" algn="ctr">
+            <a:lvl3pPr marL="957717" indent="0" algn="ctr">
               <a:buNone/>
               <a:defRPr>
                 <a:solidFill>
@@ -201,7 +201,7 @@
                 </a:solidFill>
               </a:defRPr>
             </a:lvl3pPr>
-            <a:lvl4pPr marL="6262314" indent="0" algn="ctr">
+            <a:lvl4pPr marL="1436575" indent="0" algn="ctr">
               <a:buNone/>
               <a:defRPr>
                 <a:solidFill>
@@ -211,7 +211,7 @@
                 </a:solidFill>
               </a:defRPr>
             </a:lvl4pPr>
-            <a:lvl5pPr marL="8349752" indent="0" algn="ctr">
+            <a:lvl5pPr marL="1915433" indent="0" algn="ctr">
               <a:buNone/>
               <a:defRPr>
                 <a:solidFill>
@@ -221,7 +221,7 @@
                 </a:solidFill>
               </a:defRPr>
             </a:lvl5pPr>
-            <a:lvl6pPr marL="10437190" indent="0" algn="ctr">
+            <a:lvl6pPr marL="2394291" indent="0" algn="ctr">
               <a:buNone/>
               <a:defRPr>
                 <a:solidFill>
@@ -231,7 +231,7 @@
                 </a:solidFill>
               </a:defRPr>
             </a:lvl6pPr>
-            <a:lvl7pPr marL="12524628" indent="0" algn="ctr">
+            <a:lvl7pPr marL="2873150" indent="0" algn="ctr">
               <a:buNone/>
               <a:defRPr>
                 <a:solidFill>
@@ -241,7 +241,7 @@
                 </a:solidFill>
               </a:defRPr>
             </a:lvl7pPr>
-            <a:lvl8pPr marL="14612066" indent="0" algn="ctr">
+            <a:lvl8pPr marL="3352008" indent="0" algn="ctr">
               <a:buNone/>
               <a:defRPr>
                 <a:solidFill>
@@ -251,7 +251,7 @@
                 </a:solidFill>
               </a:defRPr>
             </a:lvl8pPr>
-            <a:lvl9pPr marL="16699504" indent="0" algn="ctr">
+            <a:lvl9pPr marL="3830866" indent="0" algn="ctr">
               <a:buNone/>
               <a:defRPr>
                 <a:solidFill>
@@ -288,7 +288,7 @@
           <a:p>
             <a:fld id="{A9BC7AA3-A172-7045-A681-95F4B7886A0F}" type="datetimeFigureOut">
               <a:rPr lang="en-US" smtClean="0"/>
-              <a:t>7/25/15</a:t>
+              <a:t>8/15/15</a:t>
             </a:fld>
             <a:endParaRPr lang="en-US"/>
           </a:p>
@@ -458,7 +458,7 @@
           <a:p>
             <a:fld id="{A9BC7AA3-A172-7045-A681-95F4B7886A0F}" type="datetimeFigureOut">
               <a:rPr lang="en-US" smtClean="0"/>
-              <a:t>7/25/15</a:t>
+              <a:t>8/15/15</a:t>
             </a:fld>
             <a:endParaRPr lang="en-US"/>
           </a:p>
@@ -548,8 +548,8 @@
         </p:nvSpPr>
         <p:spPr>
           <a:xfrm>
-            <a:off x="102698546" y="7568244"/>
-            <a:ext cx="31869971" cy="161142102"/>
+            <a:off x="23269575" y="1751895"/>
+            <a:ext cx="7221141" cy="37301135"/>
           </a:xfrm>
         </p:spPr>
         <p:txBody>
@@ -576,8 +576,8 @@
         </p:nvSpPr>
         <p:spPr>
           <a:xfrm>
-            <a:off x="7083384" y="7568244"/>
-            <a:ext cx="95110708" cy="161142102"/>
+            <a:off x="1604962" y="1751895"/>
+            <a:ext cx="21550313" cy="37301135"/>
           </a:xfrm>
         </p:spPr>
         <p:txBody>
@@ -638,7 +638,7 @@
           <a:p>
             <a:fld id="{A9BC7AA3-A172-7045-A681-95F4B7886A0F}" type="datetimeFigureOut">
               <a:rPr lang="en-US" smtClean="0"/>
-              <a:t>7/25/15</a:t>
+              <a:t>8/15/15</a:t>
             </a:fld>
             <a:endParaRPr lang="en-US"/>
           </a:p>
@@ -808,7 +808,7 @@
           <a:p>
             <a:fld id="{A9BC7AA3-A172-7045-A681-95F4B7886A0F}" type="datetimeFigureOut">
               <a:rPr lang="en-US" smtClean="0"/>
-              <a:t>7/25/15</a:t>
+              <a:t>8/15/15</a:t>
             </a:fld>
             <a:endParaRPr lang="en-US"/>
           </a:p>
@@ -898,15 +898,15 @@
         </p:nvSpPr>
         <p:spPr>
           <a:xfrm>
-            <a:off x="2390906" y="27499264"/>
-            <a:ext cx="25727184" cy="8499411"/>
+            <a:off x="541735" y="6365523"/>
+            <a:ext cx="5829300" cy="1967442"/>
           </a:xfrm>
         </p:spPr>
         <p:txBody>
           <a:bodyPr anchor="t"/>
           <a:lstStyle>
             <a:lvl1pPr algn="l">
-              <a:defRPr sz="18300" b="1" cap="all"/>
+              <a:defRPr sz="4200" b="1" cap="all"/>
             </a:lvl1pPr>
           </a:lstStyle>
           <a:p>
@@ -930,8 +930,8 @@
         </p:nvSpPr>
         <p:spPr>
           <a:xfrm>
-            <a:off x="2390906" y="18138027"/>
-            <a:ext cx="25727184" cy="9361236"/>
+            <a:off x="541735" y="4198586"/>
+            <a:ext cx="5829300" cy="2166937"/>
           </a:xfrm>
         </p:spPr>
         <p:txBody>
@@ -939,7 +939,7 @@
           <a:lstStyle>
             <a:lvl1pPr marL="0" indent="0">
               <a:buNone/>
-              <a:defRPr sz="9100">
+              <a:defRPr sz="2100">
                 <a:solidFill>
                   <a:schemeClr val="tx1">
                     <a:tint val="75000"/>
@@ -947,9 +947,9 @@
                 </a:solidFill>
               </a:defRPr>
             </a:lvl1pPr>
-            <a:lvl2pPr marL="2087438" indent="0">
-              <a:buNone/>
-              <a:defRPr sz="8200">
+            <a:lvl2pPr marL="478858" indent="0">
+              <a:buNone/>
+              <a:defRPr sz="1900">
                 <a:solidFill>
                   <a:schemeClr val="tx1">
                     <a:tint val="75000"/>
@@ -957,9 +957,9 @@
                 </a:solidFill>
               </a:defRPr>
             </a:lvl2pPr>
-            <a:lvl3pPr marL="4174876" indent="0">
-              <a:buNone/>
-              <a:defRPr sz="7300">
+            <a:lvl3pPr marL="957717" indent="0">
+              <a:buNone/>
+              <a:defRPr sz="1700">
                 <a:solidFill>
                   <a:schemeClr val="tx1">
                     <a:tint val="75000"/>
@@ -967,9 +967,9 @@
                 </a:solidFill>
               </a:defRPr>
             </a:lvl3pPr>
-            <a:lvl4pPr marL="6262314" indent="0">
-              <a:buNone/>
-              <a:defRPr sz="6400">
+            <a:lvl4pPr marL="1436575" indent="0">
+              <a:buNone/>
+              <a:defRPr sz="1500">
                 <a:solidFill>
                   <a:schemeClr val="tx1">
                     <a:tint val="75000"/>
@@ -977,9 +977,9 @@
                 </a:solidFill>
               </a:defRPr>
             </a:lvl4pPr>
-            <a:lvl5pPr marL="8349752" indent="0">
-              <a:buNone/>
-              <a:defRPr sz="6400">
+            <a:lvl5pPr marL="1915433" indent="0">
+              <a:buNone/>
+              <a:defRPr sz="1500">
                 <a:solidFill>
                   <a:schemeClr val="tx1">
                     <a:tint val="75000"/>
@@ -987,9 +987,9 @@
                 </a:solidFill>
               </a:defRPr>
             </a:lvl5pPr>
-            <a:lvl6pPr marL="10437190" indent="0">
-              <a:buNone/>
-              <a:defRPr sz="6400">
+            <a:lvl6pPr marL="2394291" indent="0">
+              <a:buNone/>
+              <a:defRPr sz="1500">
                 <a:solidFill>
                   <a:schemeClr val="tx1">
                     <a:tint val="75000"/>
@@ -997,9 +997,9 @@
                 </a:solidFill>
               </a:defRPr>
             </a:lvl6pPr>
-            <a:lvl7pPr marL="12524628" indent="0">
-              <a:buNone/>
-              <a:defRPr sz="6400">
+            <a:lvl7pPr marL="2873150" indent="0">
+              <a:buNone/>
+              <a:defRPr sz="1500">
                 <a:solidFill>
                   <a:schemeClr val="tx1">
                     <a:tint val="75000"/>
@@ -1007,9 +1007,9 @@
                 </a:solidFill>
               </a:defRPr>
             </a:lvl7pPr>
-            <a:lvl8pPr marL="14612066" indent="0">
-              <a:buNone/>
-              <a:defRPr sz="6400">
+            <a:lvl8pPr marL="3352008" indent="0">
+              <a:buNone/>
+              <a:defRPr sz="1500">
                 <a:solidFill>
                   <a:schemeClr val="tx1">
                     <a:tint val="75000"/>
@@ -1017,9 +1017,9 @@
                 </a:solidFill>
               </a:defRPr>
             </a:lvl8pPr>
-            <a:lvl9pPr marL="16699504" indent="0">
-              <a:buNone/>
-              <a:defRPr sz="6400">
+            <a:lvl9pPr marL="3830866" indent="0">
+              <a:buNone/>
+              <a:defRPr sz="1500">
                 <a:solidFill>
                   <a:schemeClr val="tx1">
                     <a:tint val="75000"/>
@@ -1054,7 +1054,7 @@
           <a:p>
             <a:fld id="{A9BC7AA3-A172-7045-A681-95F4B7886A0F}" type="datetimeFigureOut">
               <a:rPr lang="en-US" smtClean="0"/>
-              <a:t>7/25/15</a:t>
+              <a:t>8/15/15</a:t>
             </a:fld>
             <a:endParaRPr lang="en-US"/>
           </a:p>
@@ -1167,39 +1167,39 @@
         </p:nvSpPr>
         <p:spPr>
           <a:xfrm>
-            <a:off x="7083385" y="44072128"/>
-            <a:ext cx="63487711" cy="124638218"/>
+            <a:off x="1604963" y="10201806"/>
+            <a:ext cx="14385131" cy="28851225"/>
           </a:xfrm>
         </p:spPr>
         <p:txBody>
           <a:bodyPr/>
           <a:lstStyle>
             <a:lvl1pPr>
-              <a:defRPr sz="12800"/>
+              <a:defRPr sz="2900"/>
             </a:lvl1pPr>
             <a:lvl2pPr>
-              <a:defRPr sz="11000"/>
+              <a:defRPr sz="2500"/>
             </a:lvl2pPr>
             <a:lvl3pPr>
-              <a:defRPr sz="9100"/>
+              <a:defRPr sz="2100"/>
             </a:lvl3pPr>
             <a:lvl4pPr>
-              <a:defRPr sz="8200"/>
+              <a:defRPr sz="1900"/>
             </a:lvl4pPr>
             <a:lvl5pPr>
-              <a:defRPr sz="8200"/>
+              <a:defRPr sz="1900"/>
             </a:lvl5pPr>
             <a:lvl6pPr>
-              <a:defRPr sz="8200"/>
+              <a:defRPr sz="1900"/>
             </a:lvl6pPr>
             <a:lvl7pPr>
-              <a:defRPr sz="8200"/>
+              <a:defRPr sz="1900"/>
             </a:lvl7pPr>
             <a:lvl8pPr>
-              <a:defRPr sz="8200"/>
+              <a:defRPr sz="1900"/>
             </a:lvl8pPr>
             <a:lvl9pPr>
-              <a:defRPr sz="8200"/>
+              <a:defRPr sz="1900"/>
             </a:lvl9pPr>
           </a:lstStyle>
           <a:p>
@@ -1252,39 +1252,39 @@
         </p:nvSpPr>
         <p:spPr>
           <a:xfrm>
-            <a:off x="71075550" y="44072128"/>
-            <a:ext cx="63492968" cy="124638218"/>
+            <a:off x="16104394" y="10201806"/>
+            <a:ext cx="14386322" cy="28851225"/>
           </a:xfrm>
         </p:spPr>
         <p:txBody>
           <a:bodyPr/>
           <a:lstStyle>
             <a:lvl1pPr>
-              <a:defRPr sz="12800"/>
+              <a:defRPr sz="2900"/>
             </a:lvl1pPr>
             <a:lvl2pPr>
-              <a:defRPr sz="11000"/>
+              <a:defRPr sz="2500"/>
             </a:lvl2pPr>
             <a:lvl3pPr>
-              <a:defRPr sz="9100"/>
+              <a:defRPr sz="2100"/>
             </a:lvl3pPr>
             <a:lvl4pPr>
-              <a:defRPr sz="8200"/>
+              <a:defRPr sz="1900"/>
             </a:lvl4pPr>
             <a:lvl5pPr>
-              <a:defRPr sz="8200"/>
+              <a:defRPr sz="1900"/>
             </a:lvl5pPr>
             <a:lvl6pPr>
-              <a:defRPr sz="8200"/>
+              <a:defRPr sz="1900"/>
             </a:lvl6pPr>
             <a:lvl7pPr>
-              <a:defRPr sz="8200"/>
+              <a:defRPr sz="1900"/>
             </a:lvl7pPr>
             <a:lvl8pPr>
-              <a:defRPr sz="8200"/>
+              <a:defRPr sz="1900"/>
             </a:lvl8pPr>
             <a:lvl9pPr>
-              <a:defRPr sz="8200"/>
+              <a:defRPr sz="1900"/>
             </a:lvl9pPr>
           </a:lstStyle>
           <a:p>
@@ -1342,7 +1342,7 @@
           <a:p>
             <a:fld id="{A9BC7AA3-A172-7045-A681-95F4B7886A0F}" type="datetimeFigureOut">
               <a:rPr lang="en-US" smtClean="0"/>
-              <a:t>7/25/15</a:t>
+              <a:t>8/15/15</a:t>
             </a:fld>
             <a:endParaRPr lang="en-US"/>
           </a:p>
@@ -1432,8 +1432,8 @@
         </p:nvSpPr>
         <p:spPr>
           <a:xfrm>
-            <a:off x="1513364" y="1713753"/>
-            <a:ext cx="27240547" cy="7132373"/>
+            <a:off x="342900" y="396699"/>
+            <a:ext cx="6172200" cy="1651000"/>
           </a:xfrm>
         </p:spPr>
         <p:txBody>
@@ -1464,8 +1464,8 @@
         </p:nvSpPr>
         <p:spPr>
           <a:xfrm>
-            <a:off x="1513364" y="9579177"/>
-            <a:ext cx="13373303" cy="3992144"/>
+            <a:off x="342900" y="2217385"/>
+            <a:ext cx="3030141" cy="924101"/>
           </a:xfrm>
         </p:spPr>
         <p:txBody>
@@ -1473,39 +1473,39 @@
           <a:lstStyle>
             <a:lvl1pPr marL="0" indent="0">
               <a:buNone/>
-              <a:defRPr sz="11000" b="1"/>
+              <a:defRPr sz="2500" b="1"/>
             </a:lvl1pPr>
-            <a:lvl2pPr marL="2087438" indent="0">
-              <a:buNone/>
-              <a:defRPr sz="9100" b="1"/>
+            <a:lvl2pPr marL="478858" indent="0">
+              <a:buNone/>
+              <a:defRPr sz="2100" b="1"/>
             </a:lvl2pPr>
-            <a:lvl3pPr marL="4174876" indent="0">
-              <a:buNone/>
-              <a:defRPr sz="8200" b="1"/>
+            <a:lvl3pPr marL="957717" indent="0">
+              <a:buNone/>
+              <a:defRPr sz="1900" b="1"/>
             </a:lvl3pPr>
-            <a:lvl4pPr marL="6262314" indent="0">
-              <a:buNone/>
-              <a:defRPr sz="7300" b="1"/>
+            <a:lvl4pPr marL="1436575" indent="0">
+              <a:buNone/>
+              <a:defRPr sz="1700" b="1"/>
             </a:lvl4pPr>
-            <a:lvl5pPr marL="8349752" indent="0">
-              <a:buNone/>
-              <a:defRPr sz="7300" b="1"/>
+            <a:lvl5pPr marL="1915433" indent="0">
+              <a:buNone/>
+              <a:defRPr sz="1700" b="1"/>
             </a:lvl5pPr>
-            <a:lvl6pPr marL="10437190" indent="0">
-              <a:buNone/>
-              <a:defRPr sz="7300" b="1"/>
+            <a:lvl6pPr marL="2394291" indent="0">
+              <a:buNone/>
+              <a:defRPr sz="1700" b="1"/>
             </a:lvl6pPr>
-            <a:lvl7pPr marL="12524628" indent="0">
-              <a:buNone/>
-              <a:defRPr sz="7300" b="1"/>
+            <a:lvl7pPr marL="2873150" indent="0">
+              <a:buNone/>
+              <a:defRPr sz="1700" b="1"/>
             </a:lvl7pPr>
-            <a:lvl8pPr marL="14612066" indent="0">
-              <a:buNone/>
-              <a:defRPr sz="7300" b="1"/>
+            <a:lvl8pPr marL="3352008" indent="0">
+              <a:buNone/>
+              <a:defRPr sz="1700" b="1"/>
             </a:lvl8pPr>
-            <a:lvl9pPr marL="16699504" indent="0">
-              <a:buNone/>
-              <a:defRPr sz="7300" b="1"/>
+            <a:lvl9pPr marL="3830866" indent="0">
+              <a:buNone/>
+              <a:defRPr sz="1700" b="1"/>
             </a:lvl9pPr>
           </a:lstStyle>
           <a:p>
@@ -1529,39 +1529,39 @@
         </p:nvSpPr>
         <p:spPr>
           <a:xfrm>
-            <a:off x="1513364" y="13571322"/>
-            <a:ext cx="13373303" cy="24656220"/>
+            <a:off x="342900" y="3141486"/>
+            <a:ext cx="3030141" cy="5707416"/>
           </a:xfrm>
         </p:spPr>
         <p:txBody>
           <a:bodyPr/>
           <a:lstStyle>
             <a:lvl1pPr>
-              <a:defRPr sz="11000"/>
+              <a:defRPr sz="2500"/>
             </a:lvl1pPr>
             <a:lvl2pPr>
-              <a:defRPr sz="9100"/>
+              <a:defRPr sz="2100"/>
             </a:lvl2pPr>
             <a:lvl3pPr>
-              <a:defRPr sz="8200"/>
+              <a:defRPr sz="1900"/>
             </a:lvl3pPr>
             <a:lvl4pPr>
-              <a:defRPr sz="7300"/>
+              <a:defRPr sz="1700"/>
             </a:lvl4pPr>
             <a:lvl5pPr>
-              <a:defRPr sz="7300"/>
+              <a:defRPr sz="1700"/>
             </a:lvl5pPr>
             <a:lvl6pPr>
-              <a:defRPr sz="7300"/>
+              <a:defRPr sz="1700"/>
             </a:lvl6pPr>
             <a:lvl7pPr>
-              <a:defRPr sz="7300"/>
+              <a:defRPr sz="1700"/>
             </a:lvl7pPr>
             <a:lvl8pPr>
-              <a:defRPr sz="7300"/>
+              <a:defRPr sz="1700"/>
             </a:lvl8pPr>
             <a:lvl9pPr>
-              <a:defRPr sz="7300"/>
+              <a:defRPr sz="1700"/>
             </a:lvl9pPr>
           </a:lstStyle>
           <a:p>
@@ -1614,8 +1614,8 @@
         </p:nvSpPr>
         <p:spPr>
           <a:xfrm>
-            <a:off x="15375357" y="9579177"/>
-            <a:ext cx="13378556" cy="3992144"/>
+            <a:off x="3483769" y="2217385"/>
+            <a:ext cx="3031331" cy="924101"/>
           </a:xfrm>
         </p:spPr>
         <p:txBody>
@@ -1623,39 +1623,39 @@
           <a:lstStyle>
             <a:lvl1pPr marL="0" indent="0">
               <a:buNone/>
-              <a:defRPr sz="11000" b="1"/>
+              <a:defRPr sz="2500" b="1"/>
             </a:lvl1pPr>
-            <a:lvl2pPr marL="2087438" indent="0">
-              <a:buNone/>
-              <a:defRPr sz="9100" b="1"/>
+            <a:lvl2pPr marL="478858" indent="0">
+              <a:buNone/>
+              <a:defRPr sz="2100" b="1"/>
             </a:lvl2pPr>
-            <a:lvl3pPr marL="4174876" indent="0">
-              <a:buNone/>
-              <a:defRPr sz="8200" b="1"/>
+            <a:lvl3pPr marL="957717" indent="0">
+              <a:buNone/>
+              <a:defRPr sz="1900" b="1"/>
             </a:lvl3pPr>
-            <a:lvl4pPr marL="6262314" indent="0">
-              <a:buNone/>
-              <a:defRPr sz="7300" b="1"/>
+            <a:lvl4pPr marL="1436575" indent="0">
+              <a:buNone/>
+              <a:defRPr sz="1700" b="1"/>
             </a:lvl4pPr>
-            <a:lvl5pPr marL="8349752" indent="0">
-              <a:buNone/>
-              <a:defRPr sz="7300" b="1"/>
+            <a:lvl5pPr marL="1915433" indent="0">
+              <a:buNone/>
+              <a:defRPr sz="1700" b="1"/>
             </a:lvl5pPr>
-            <a:lvl6pPr marL="10437190" indent="0">
-              <a:buNone/>
-              <a:defRPr sz="7300" b="1"/>
+            <a:lvl6pPr marL="2394291" indent="0">
+              <a:buNone/>
+              <a:defRPr sz="1700" b="1"/>
             </a:lvl6pPr>
-            <a:lvl7pPr marL="12524628" indent="0">
-              <a:buNone/>
-              <a:defRPr sz="7300" b="1"/>
+            <a:lvl7pPr marL="2873150" indent="0">
+              <a:buNone/>
+              <a:defRPr sz="1700" b="1"/>
             </a:lvl7pPr>
-            <a:lvl8pPr marL="14612066" indent="0">
-              <a:buNone/>
-              <a:defRPr sz="7300" b="1"/>
+            <a:lvl8pPr marL="3352008" indent="0">
+              <a:buNone/>
+              <a:defRPr sz="1700" b="1"/>
             </a:lvl8pPr>
-            <a:lvl9pPr marL="16699504" indent="0">
-              <a:buNone/>
-              <a:defRPr sz="7300" b="1"/>
+            <a:lvl9pPr marL="3830866" indent="0">
+              <a:buNone/>
+              <a:defRPr sz="1700" b="1"/>
             </a:lvl9pPr>
           </a:lstStyle>
           <a:p>
@@ -1679,39 +1679,39 @@
         </p:nvSpPr>
         <p:spPr>
           <a:xfrm>
-            <a:off x="15375357" y="13571322"/>
-            <a:ext cx="13378556" cy="24656220"/>
+            <a:off x="3483769" y="3141486"/>
+            <a:ext cx="3031331" cy="5707416"/>
           </a:xfrm>
         </p:spPr>
         <p:txBody>
           <a:bodyPr/>
           <a:lstStyle>
             <a:lvl1pPr>
-              <a:defRPr sz="11000"/>
+              <a:defRPr sz="2500"/>
             </a:lvl1pPr>
             <a:lvl2pPr>
-              <a:defRPr sz="9100"/>
+              <a:defRPr sz="2100"/>
             </a:lvl2pPr>
             <a:lvl3pPr>
-              <a:defRPr sz="8200"/>
+              <a:defRPr sz="1900"/>
             </a:lvl3pPr>
             <a:lvl4pPr>
-              <a:defRPr sz="7300"/>
+              <a:defRPr sz="1700"/>
             </a:lvl4pPr>
             <a:lvl5pPr>
-              <a:defRPr sz="7300"/>
+              <a:defRPr sz="1700"/>
             </a:lvl5pPr>
             <a:lvl6pPr>
-              <a:defRPr sz="7300"/>
+              <a:defRPr sz="1700"/>
             </a:lvl6pPr>
             <a:lvl7pPr>
-              <a:defRPr sz="7300"/>
+              <a:defRPr sz="1700"/>
             </a:lvl7pPr>
             <a:lvl8pPr>
-              <a:defRPr sz="7300"/>
+              <a:defRPr sz="1700"/>
             </a:lvl8pPr>
             <a:lvl9pPr>
-              <a:defRPr sz="7300"/>
+              <a:defRPr sz="1700"/>
             </a:lvl9pPr>
           </a:lstStyle>
           <a:p>
@@ -1769,7 +1769,7 @@
           <a:p>
             <a:fld id="{A9BC7AA3-A172-7045-A681-95F4B7886A0F}" type="datetimeFigureOut">
               <a:rPr lang="en-US" smtClean="0"/>
-              <a:t>7/25/15</a:t>
+              <a:t>8/15/15</a:t>
             </a:fld>
             <a:endParaRPr lang="en-US"/>
           </a:p>
@@ -1887,7 +1887,7 @@
           <a:p>
             <a:fld id="{A9BC7AA3-A172-7045-A681-95F4B7886A0F}" type="datetimeFigureOut">
               <a:rPr lang="en-US" smtClean="0"/>
-              <a:t>7/25/15</a:t>
+              <a:t>8/15/15</a:t>
             </a:fld>
             <a:endParaRPr lang="en-US"/>
           </a:p>
@@ -1982,7 +1982,7 @@
           <a:p>
             <a:fld id="{A9BC7AA3-A172-7045-A681-95F4B7886A0F}" type="datetimeFigureOut">
               <a:rPr lang="en-US" smtClean="0"/>
-              <a:t>7/25/15</a:t>
+              <a:t>8/15/15</a:t>
             </a:fld>
             <a:endParaRPr lang="en-US"/>
           </a:p>
@@ -2072,15 +2072,15 @@
         </p:nvSpPr>
         <p:spPr>
           <a:xfrm>
-            <a:off x="1513365" y="1703845"/>
-            <a:ext cx="9957725" cy="7251246"/>
+            <a:off x="342900" y="394405"/>
+            <a:ext cx="2256235" cy="1678517"/>
           </a:xfrm>
         </p:spPr>
         <p:txBody>
           <a:bodyPr anchor="b"/>
           <a:lstStyle>
             <a:lvl1pPr algn="l">
-              <a:defRPr sz="9100" b="1"/>
+              <a:defRPr sz="2100" b="1"/>
             </a:lvl1pPr>
           </a:lstStyle>
           <a:p>
@@ -2104,39 +2104,39 @@
         </p:nvSpPr>
         <p:spPr>
           <a:xfrm>
-            <a:off x="11833663" y="1703848"/>
-            <a:ext cx="16920248" cy="36523697"/>
+            <a:off x="2681287" y="394406"/>
+            <a:ext cx="3833813" cy="8454497"/>
           </a:xfrm>
         </p:spPr>
         <p:txBody>
           <a:bodyPr/>
           <a:lstStyle>
             <a:lvl1pPr>
-              <a:defRPr sz="14600"/>
+              <a:defRPr sz="3300"/>
             </a:lvl1pPr>
             <a:lvl2pPr>
-              <a:defRPr sz="12800"/>
+              <a:defRPr sz="2900"/>
             </a:lvl2pPr>
             <a:lvl3pPr>
-              <a:defRPr sz="11000"/>
+              <a:defRPr sz="2500"/>
             </a:lvl3pPr>
             <a:lvl4pPr>
-              <a:defRPr sz="9100"/>
+              <a:defRPr sz="2100"/>
             </a:lvl4pPr>
             <a:lvl5pPr>
-              <a:defRPr sz="9100"/>
+              <a:defRPr sz="2100"/>
             </a:lvl5pPr>
             <a:lvl6pPr>
-              <a:defRPr sz="9100"/>
+              <a:defRPr sz="2100"/>
             </a:lvl6pPr>
             <a:lvl7pPr>
-              <a:defRPr sz="9100"/>
+              <a:defRPr sz="2100"/>
             </a:lvl7pPr>
             <a:lvl8pPr>
-              <a:defRPr sz="9100"/>
+              <a:defRPr sz="2100"/>
             </a:lvl8pPr>
             <a:lvl9pPr>
-              <a:defRPr sz="9100"/>
+              <a:defRPr sz="2100"/>
             </a:lvl9pPr>
           </a:lstStyle>
           <a:p>
@@ -2189,8 +2189,8 @@
         </p:nvSpPr>
         <p:spPr>
           <a:xfrm>
-            <a:off x="1513365" y="8955094"/>
-            <a:ext cx="9957725" cy="29272451"/>
+            <a:off x="342900" y="2072923"/>
+            <a:ext cx="2256235" cy="6775980"/>
           </a:xfrm>
         </p:spPr>
         <p:txBody>
@@ -2198,39 +2198,39 @@
           <a:lstStyle>
             <a:lvl1pPr marL="0" indent="0">
               <a:buNone/>
-              <a:defRPr sz="6400"/>
+              <a:defRPr sz="1500"/>
             </a:lvl1pPr>
-            <a:lvl2pPr marL="2087438" indent="0">
-              <a:buNone/>
-              <a:defRPr sz="5500"/>
+            <a:lvl2pPr marL="478858" indent="0">
+              <a:buNone/>
+              <a:defRPr sz="1300"/>
             </a:lvl2pPr>
-            <a:lvl3pPr marL="4174876" indent="0">
-              <a:buNone/>
-              <a:defRPr sz="4600"/>
+            <a:lvl3pPr marL="957717" indent="0">
+              <a:buNone/>
+              <a:defRPr sz="1100"/>
             </a:lvl3pPr>
-            <a:lvl4pPr marL="6262314" indent="0">
-              <a:buNone/>
-              <a:defRPr sz="4100"/>
+            <a:lvl4pPr marL="1436575" indent="0">
+              <a:buNone/>
+              <a:defRPr sz="900"/>
             </a:lvl4pPr>
-            <a:lvl5pPr marL="8349752" indent="0">
-              <a:buNone/>
-              <a:defRPr sz="4100"/>
+            <a:lvl5pPr marL="1915433" indent="0">
+              <a:buNone/>
+              <a:defRPr sz="900"/>
             </a:lvl5pPr>
-            <a:lvl6pPr marL="10437190" indent="0">
-              <a:buNone/>
-              <a:defRPr sz="4100"/>
+            <a:lvl6pPr marL="2394291" indent="0">
+              <a:buNone/>
+              <a:defRPr sz="900"/>
             </a:lvl6pPr>
-            <a:lvl7pPr marL="12524628" indent="0">
-              <a:buNone/>
-              <a:defRPr sz="4100"/>
+            <a:lvl7pPr marL="2873150" indent="0">
+              <a:buNone/>
+              <a:defRPr sz="900"/>
             </a:lvl7pPr>
-            <a:lvl8pPr marL="14612066" indent="0">
-              <a:buNone/>
-              <a:defRPr sz="4100"/>
+            <a:lvl8pPr marL="3352008" indent="0">
+              <a:buNone/>
+              <a:defRPr sz="900"/>
             </a:lvl8pPr>
-            <a:lvl9pPr marL="16699504" indent="0">
-              <a:buNone/>
-              <a:defRPr sz="4100"/>
+            <a:lvl9pPr marL="3830866" indent="0">
+              <a:buNone/>
+              <a:defRPr sz="900"/>
             </a:lvl9pPr>
           </a:lstStyle>
           <a:p>
@@ -2259,7 +2259,7 @@
           <a:p>
             <a:fld id="{A9BC7AA3-A172-7045-A681-95F4B7886A0F}" type="datetimeFigureOut">
               <a:rPr lang="en-US" smtClean="0"/>
-              <a:t>7/25/15</a:t>
+              <a:t>8/15/15</a:t>
             </a:fld>
             <a:endParaRPr lang="en-US"/>
           </a:p>
@@ -2349,15 +2349,15 @@
         </p:nvSpPr>
         <p:spPr>
           <a:xfrm>
-            <a:off x="5932598" y="29955967"/>
-            <a:ext cx="18160365" cy="3536471"/>
+            <a:off x="1344216" y="6934200"/>
+            <a:ext cx="4114800" cy="818621"/>
           </a:xfrm>
         </p:spPr>
         <p:txBody>
           <a:bodyPr anchor="b"/>
           <a:lstStyle>
             <a:lvl1pPr algn="l">
-              <a:defRPr sz="9100" b="1"/>
+              <a:defRPr sz="2100" b="1"/>
             </a:lvl1pPr>
           </a:lstStyle>
           <a:p>
@@ -2381,8 +2381,8 @@
         </p:nvSpPr>
         <p:spPr>
           <a:xfrm>
-            <a:off x="5932598" y="3823745"/>
-            <a:ext cx="18160365" cy="25676543"/>
+            <a:off x="1344216" y="885120"/>
+            <a:ext cx="4114800" cy="5943600"/>
           </a:xfrm>
         </p:spPr>
         <p:txBody>
@@ -2390,39 +2390,39 @@
           <a:lstStyle>
             <a:lvl1pPr marL="0" indent="0">
               <a:buNone/>
-              <a:defRPr sz="14600"/>
+              <a:defRPr sz="3300"/>
             </a:lvl1pPr>
-            <a:lvl2pPr marL="2087438" indent="0">
-              <a:buNone/>
-              <a:defRPr sz="12800"/>
+            <a:lvl2pPr marL="478858" indent="0">
+              <a:buNone/>
+              <a:defRPr sz="2900"/>
             </a:lvl2pPr>
-            <a:lvl3pPr marL="4174876" indent="0">
-              <a:buNone/>
-              <a:defRPr sz="11000"/>
+            <a:lvl3pPr marL="957717" indent="0">
+              <a:buNone/>
+              <a:defRPr sz="2500"/>
             </a:lvl3pPr>
-            <a:lvl4pPr marL="6262314" indent="0">
-              <a:buNone/>
-              <a:defRPr sz="9100"/>
+            <a:lvl4pPr marL="1436575" indent="0">
+              <a:buNone/>
+              <a:defRPr sz="2100"/>
             </a:lvl4pPr>
-            <a:lvl5pPr marL="8349752" indent="0">
-              <a:buNone/>
-              <a:defRPr sz="9100"/>
+            <a:lvl5pPr marL="1915433" indent="0">
+              <a:buNone/>
+              <a:defRPr sz="2100"/>
             </a:lvl5pPr>
-            <a:lvl6pPr marL="10437190" indent="0">
-              <a:buNone/>
-              <a:defRPr sz="9100"/>
+            <a:lvl6pPr marL="2394291" indent="0">
+              <a:buNone/>
+              <a:defRPr sz="2100"/>
             </a:lvl6pPr>
-            <a:lvl7pPr marL="12524628" indent="0">
-              <a:buNone/>
-              <a:defRPr sz="9100"/>
+            <a:lvl7pPr marL="2873150" indent="0">
+              <a:buNone/>
+              <a:defRPr sz="2100"/>
             </a:lvl7pPr>
-            <a:lvl8pPr marL="14612066" indent="0">
-              <a:buNone/>
-              <a:defRPr sz="9100"/>
+            <a:lvl8pPr marL="3352008" indent="0">
+              <a:buNone/>
+              <a:defRPr sz="2100"/>
             </a:lvl8pPr>
-            <a:lvl9pPr marL="16699504" indent="0">
-              <a:buNone/>
-              <a:defRPr sz="9100"/>
+            <a:lvl9pPr marL="3830866" indent="0">
+              <a:buNone/>
+              <a:defRPr sz="2100"/>
             </a:lvl9pPr>
           </a:lstStyle>
           <a:p>
@@ -2442,8 +2442,8 @@
         </p:nvSpPr>
         <p:spPr>
           <a:xfrm>
-            <a:off x="5932598" y="33492439"/>
-            <a:ext cx="18160365" cy="5022376"/>
+            <a:off x="1344216" y="7752822"/>
+            <a:ext cx="4114800" cy="1162578"/>
           </a:xfrm>
         </p:spPr>
         <p:txBody>
@@ -2451,39 +2451,39 @@
           <a:lstStyle>
             <a:lvl1pPr marL="0" indent="0">
               <a:buNone/>
-              <a:defRPr sz="6400"/>
+              <a:defRPr sz="1500"/>
             </a:lvl1pPr>
-            <a:lvl2pPr marL="2087438" indent="0">
-              <a:buNone/>
-              <a:defRPr sz="5500"/>
+            <a:lvl2pPr marL="478858" indent="0">
+              <a:buNone/>
+              <a:defRPr sz="1300"/>
             </a:lvl2pPr>
-            <a:lvl3pPr marL="4174876" indent="0">
-              <a:buNone/>
-              <a:defRPr sz="4600"/>
+            <a:lvl3pPr marL="957717" indent="0">
+              <a:buNone/>
+              <a:defRPr sz="1100"/>
             </a:lvl3pPr>
-            <a:lvl4pPr marL="6262314" indent="0">
-              <a:buNone/>
-              <a:defRPr sz="4100"/>
+            <a:lvl4pPr marL="1436575" indent="0">
+              <a:buNone/>
+              <a:defRPr sz="900"/>
             </a:lvl4pPr>
-            <a:lvl5pPr marL="8349752" indent="0">
-              <a:buNone/>
-              <a:defRPr sz="4100"/>
+            <a:lvl5pPr marL="1915433" indent="0">
+              <a:buNone/>
+              <a:defRPr sz="900"/>
             </a:lvl5pPr>
-            <a:lvl6pPr marL="10437190" indent="0">
-              <a:buNone/>
-              <a:defRPr sz="4100"/>
+            <a:lvl6pPr marL="2394291" indent="0">
+              <a:buNone/>
+              <a:defRPr sz="900"/>
             </a:lvl6pPr>
-            <a:lvl7pPr marL="12524628" indent="0">
-              <a:buNone/>
-              <a:defRPr sz="4100"/>
+            <a:lvl7pPr marL="2873150" indent="0">
+              <a:buNone/>
+              <a:defRPr sz="900"/>
             </a:lvl7pPr>
-            <a:lvl8pPr marL="14612066" indent="0">
-              <a:buNone/>
-              <a:defRPr sz="4100"/>
+            <a:lvl8pPr marL="3352008" indent="0">
+              <a:buNone/>
+              <a:defRPr sz="900"/>
             </a:lvl8pPr>
-            <a:lvl9pPr marL="16699504" indent="0">
-              <a:buNone/>
-              <a:defRPr sz="4100"/>
+            <a:lvl9pPr marL="3830866" indent="0">
+              <a:buNone/>
+              <a:defRPr sz="900"/>
             </a:lvl9pPr>
           </a:lstStyle>
           <a:p>
@@ -2512,7 +2512,7 @@
           <a:p>
             <a:fld id="{A9BC7AA3-A172-7045-A681-95F4B7886A0F}" type="datetimeFigureOut">
               <a:rPr lang="en-US" smtClean="0"/>
-              <a:t>7/25/15</a:t>
+              <a:t>8/15/15</a:t>
             </a:fld>
             <a:endParaRPr lang="en-US"/>
           </a:p>
@@ -2607,15 +2607,15 @@
         </p:nvSpPr>
         <p:spPr>
           <a:xfrm>
-            <a:off x="1513364" y="1713753"/>
-            <a:ext cx="27240547" cy="7132373"/>
+            <a:off x="342900" y="396699"/>
+            <a:ext cx="6172200" cy="1651000"/>
           </a:xfrm>
           <a:prstGeom prst="rect">
             <a:avLst/>
           </a:prstGeom>
         </p:spPr>
         <p:txBody>
-          <a:bodyPr vert="horz" lIns="417488" tIns="208744" rIns="417488" bIns="208744" rtlCol="0" anchor="ctr">
+          <a:bodyPr vert="horz" lIns="95772" tIns="47886" rIns="95772" bIns="47886" rtlCol="0" anchor="ctr">
             <a:normAutofit/>
           </a:bodyPr>
           <a:lstStyle/>
@@ -2640,15 +2640,15 @@
         </p:nvSpPr>
         <p:spPr>
           <a:xfrm>
-            <a:off x="1513364" y="9985326"/>
-            <a:ext cx="27240547" cy="28242218"/>
+            <a:off x="342900" y="2311401"/>
+            <a:ext cx="6172200" cy="6537502"/>
           </a:xfrm>
           <a:prstGeom prst="rect">
             <a:avLst/>
           </a:prstGeom>
         </p:spPr>
         <p:txBody>
-          <a:bodyPr vert="horz" lIns="417488" tIns="208744" rIns="417488" bIns="208744" rtlCol="0">
+          <a:bodyPr vert="horz" lIns="95772" tIns="47886" rIns="95772" bIns="47886" rtlCol="0">
             <a:normAutofit/>
           </a:bodyPr>
           <a:lstStyle/>
@@ -2702,18 +2702,18 @@
         </p:nvSpPr>
         <p:spPr>
           <a:xfrm>
-            <a:off x="1513364" y="39663922"/>
-            <a:ext cx="7062364" cy="2278397"/>
+            <a:off x="342900" y="9181395"/>
+            <a:ext cx="1600200" cy="527403"/>
           </a:xfrm>
           <a:prstGeom prst="rect">
             <a:avLst/>
           </a:prstGeom>
         </p:spPr>
         <p:txBody>
-          <a:bodyPr vert="horz" lIns="417488" tIns="208744" rIns="417488" bIns="208744" rtlCol="0" anchor="ctr"/>
+          <a:bodyPr vert="horz" lIns="95772" tIns="47886" rIns="95772" bIns="47886" rtlCol="0" anchor="ctr"/>
           <a:lstStyle>
             <a:lvl1pPr algn="l">
-              <a:defRPr sz="5500">
+              <a:defRPr sz="1300">
                 <a:solidFill>
                   <a:schemeClr val="tx1">
                     <a:tint val="75000"/>
@@ -2725,7 +2725,7 @@
           <a:p>
             <a:fld id="{A9BC7AA3-A172-7045-A681-95F4B7886A0F}" type="datetimeFigureOut">
               <a:rPr lang="en-US" smtClean="0"/>
-              <a:t>7/25/15</a:t>
+              <a:t>8/15/15</a:t>
             </a:fld>
             <a:endParaRPr lang="en-US"/>
           </a:p>
@@ -2743,18 +2743,18 @@
         </p:nvSpPr>
         <p:spPr>
           <a:xfrm>
-            <a:off x="10341320" y="39663922"/>
-            <a:ext cx="9584637" cy="2278397"/>
+            <a:off x="2343150" y="9181395"/>
+            <a:ext cx="2171700" cy="527403"/>
           </a:xfrm>
           <a:prstGeom prst="rect">
             <a:avLst/>
           </a:prstGeom>
         </p:spPr>
         <p:txBody>
-          <a:bodyPr vert="horz" lIns="417488" tIns="208744" rIns="417488" bIns="208744" rtlCol="0" anchor="ctr"/>
+          <a:bodyPr vert="horz" lIns="95772" tIns="47886" rIns="95772" bIns="47886" rtlCol="0" anchor="ctr"/>
           <a:lstStyle>
             <a:lvl1pPr algn="ctr">
-              <a:defRPr sz="5500">
+              <a:defRPr sz="1300">
                 <a:solidFill>
                   <a:schemeClr val="tx1">
                     <a:tint val="75000"/>
@@ -2780,18 +2780,18 @@
         </p:nvSpPr>
         <p:spPr>
           <a:xfrm>
-            <a:off x="21691547" y="39663922"/>
-            <a:ext cx="7062364" cy="2278397"/>
+            <a:off x="4914900" y="9181395"/>
+            <a:ext cx="1600200" cy="527403"/>
           </a:xfrm>
           <a:prstGeom prst="rect">
             <a:avLst/>
           </a:prstGeom>
         </p:spPr>
         <p:txBody>
-          <a:bodyPr vert="horz" lIns="417488" tIns="208744" rIns="417488" bIns="208744" rtlCol="0" anchor="ctr"/>
+          <a:bodyPr vert="horz" lIns="95772" tIns="47886" rIns="95772" bIns="47886" rtlCol="0" anchor="ctr"/>
           <a:lstStyle>
             <a:lvl1pPr algn="r">
-              <a:defRPr sz="5500">
+              <a:defRPr sz="1300">
                 <a:solidFill>
                   <a:schemeClr val="tx1">
                     <a:tint val="75000"/>
@@ -2832,12 +2832,12 @@
   </p:sldLayoutIdLst>
   <p:txStyles>
     <p:titleStyle>
-      <a:lvl1pPr algn="ctr" defTabSz="2087438" rtl="0" eaLnBrk="1" latinLnBrk="0" hangingPunct="1">
+      <a:lvl1pPr algn="ctr" defTabSz="478858" rtl="0" eaLnBrk="1" latinLnBrk="0" hangingPunct="1">
         <a:spcBef>
           <a:spcPct val="0"/>
         </a:spcBef>
         <a:buNone/>
-        <a:defRPr sz="20100" kern="1200">
+        <a:defRPr sz="4600" kern="1200">
           <a:solidFill>
             <a:schemeClr val="tx1"/>
           </a:solidFill>
@@ -2848,13 +2848,13 @@
       </a:lvl1pPr>
     </p:titleStyle>
     <p:bodyStyle>
-      <a:lvl1pPr marL="1565579" indent="-1565579" algn="l" defTabSz="2087438" rtl="0" eaLnBrk="1" latinLnBrk="0" hangingPunct="1">
+      <a:lvl1pPr marL="359144" indent="-359144" algn="l" defTabSz="478858" rtl="0" eaLnBrk="1" latinLnBrk="0" hangingPunct="1">
         <a:spcBef>
           <a:spcPct val="20000"/>
         </a:spcBef>
         <a:buFont typeface="Arial"/>
         <a:buChar char="•"/>
-        <a:defRPr sz="14600" kern="1200">
+        <a:defRPr sz="3300" kern="1200">
           <a:solidFill>
             <a:schemeClr val="tx1"/>
           </a:solidFill>
@@ -2863,13 +2863,13 @@
           <a:cs typeface="+mn-cs"/>
         </a:defRPr>
       </a:lvl1pPr>
-      <a:lvl2pPr marL="3392087" indent="-1304649" algn="l" defTabSz="2087438" rtl="0" eaLnBrk="1" latinLnBrk="0" hangingPunct="1">
+      <a:lvl2pPr marL="778145" indent="-299286" algn="l" defTabSz="478858" rtl="0" eaLnBrk="1" latinLnBrk="0" hangingPunct="1">
         <a:spcBef>
           <a:spcPct val="20000"/>
         </a:spcBef>
         <a:buFont typeface="Arial"/>
         <a:buChar char="–"/>
-        <a:defRPr sz="12800" kern="1200">
+        <a:defRPr sz="2900" kern="1200">
           <a:solidFill>
             <a:schemeClr val="tx1"/>
           </a:solidFill>
@@ -2878,13 +2878,13 @@
           <a:cs typeface="+mn-cs"/>
         </a:defRPr>
       </a:lvl2pPr>
-      <a:lvl3pPr marL="5218595" indent="-1043719" algn="l" defTabSz="2087438" rtl="0" eaLnBrk="1" latinLnBrk="0" hangingPunct="1">
+      <a:lvl3pPr marL="1197146" indent="-239429" algn="l" defTabSz="478858" rtl="0" eaLnBrk="1" latinLnBrk="0" hangingPunct="1">
         <a:spcBef>
           <a:spcPct val="20000"/>
         </a:spcBef>
         <a:buFont typeface="Arial"/>
         <a:buChar char="•"/>
-        <a:defRPr sz="11000" kern="1200">
+        <a:defRPr sz="2500" kern="1200">
           <a:solidFill>
             <a:schemeClr val="tx1"/>
           </a:solidFill>
@@ -2893,13 +2893,13 @@
           <a:cs typeface="+mn-cs"/>
         </a:defRPr>
       </a:lvl3pPr>
-      <a:lvl4pPr marL="7306033" indent="-1043719" algn="l" defTabSz="2087438" rtl="0" eaLnBrk="1" latinLnBrk="0" hangingPunct="1">
+      <a:lvl4pPr marL="1676004" indent="-239429" algn="l" defTabSz="478858" rtl="0" eaLnBrk="1" latinLnBrk="0" hangingPunct="1">
         <a:spcBef>
           <a:spcPct val="20000"/>
         </a:spcBef>
         <a:buFont typeface="Arial"/>
         <a:buChar char="–"/>
-        <a:defRPr sz="9100" kern="1200">
+        <a:defRPr sz="2100" kern="1200">
           <a:solidFill>
             <a:schemeClr val="tx1"/>
           </a:solidFill>
@@ -2908,13 +2908,13 @@
           <a:cs typeface="+mn-cs"/>
         </a:defRPr>
       </a:lvl4pPr>
-      <a:lvl5pPr marL="9393471" indent="-1043719" algn="l" defTabSz="2087438" rtl="0" eaLnBrk="1" latinLnBrk="0" hangingPunct="1">
+      <a:lvl5pPr marL="2154862" indent="-239429" algn="l" defTabSz="478858" rtl="0" eaLnBrk="1" latinLnBrk="0" hangingPunct="1">
         <a:spcBef>
           <a:spcPct val="20000"/>
         </a:spcBef>
         <a:buFont typeface="Arial"/>
         <a:buChar char="»"/>
-        <a:defRPr sz="9100" kern="1200">
+        <a:defRPr sz="2100" kern="1200">
           <a:solidFill>
             <a:schemeClr val="tx1"/>
           </a:solidFill>
@@ -2923,13 +2923,13 @@
           <a:cs typeface="+mn-cs"/>
         </a:defRPr>
       </a:lvl5pPr>
-      <a:lvl6pPr marL="11480909" indent="-1043719" algn="l" defTabSz="2087438" rtl="0" eaLnBrk="1" latinLnBrk="0" hangingPunct="1">
+      <a:lvl6pPr marL="2633721" indent="-239429" algn="l" defTabSz="478858" rtl="0" eaLnBrk="1" latinLnBrk="0" hangingPunct="1">
         <a:spcBef>
           <a:spcPct val="20000"/>
         </a:spcBef>
         <a:buFont typeface="Arial"/>
         <a:buChar char="•"/>
-        <a:defRPr sz="9100" kern="1200">
+        <a:defRPr sz="2100" kern="1200">
           <a:solidFill>
             <a:schemeClr val="tx1"/>
           </a:solidFill>
@@ -2938,13 +2938,13 @@
           <a:cs typeface="+mn-cs"/>
         </a:defRPr>
       </a:lvl6pPr>
-      <a:lvl7pPr marL="13568347" indent="-1043719" algn="l" defTabSz="2087438" rtl="0" eaLnBrk="1" latinLnBrk="0" hangingPunct="1">
+      <a:lvl7pPr marL="3112579" indent="-239429" algn="l" defTabSz="478858" rtl="0" eaLnBrk="1" latinLnBrk="0" hangingPunct="1">
         <a:spcBef>
           <a:spcPct val="20000"/>
         </a:spcBef>
         <a:buFont typeface="Arial"/>
         <a:buChar char="•"/>
-        <a:defRPr sz="9100" kern="1200">
+        <a:defRPr sz="2100" kern="1200">
           <a:solidFill>
             <a:schemeClr val="tx1"/>
           </a:solidFill>
@@ -2953,13 +2953,13 @@
           <a:cs typeface="+mn-cs"/>
         </a:defRPr>
       </a:lvl7pPr>
-      <a:lvl8pPr marL="15655785" indent="-1043719" algn="l" defTabSz="2087438" rtl="0" eaLnBrk="1" latinLnBrk="0" hangingPunct="1">
+      <a:lvl8pPr marL="3591437" indent="-239429" algn="l" defTabSz="478858" rtl="0" eaLnBrk="1" latinLnBrk="0" hangingPunct="1">
         <a:spcBef>
           <a:spcPct val="20000"/>
         </a:spcBef>
         <a:buFont typeface="Arial"/>
         <a:buChar char="•"/>
-        <a:defRPr sz="9100" kern="1200">
+        <a:defRPr sz="2100" kern="1200">
           <a:solidFill>
             <a:schemeClr val="tx1"/>
           </a:solidFill>
@@ -2968,13 +2968,13 @@
           <a:cs typeface="+mn-cs"/>
         </a:defRPr>
       </a:lvl8pPr>
-      <a:lvl9pPr marL="17743223" indent="-1043719" algn="l" defTabSz="2087438" rtl="0" eaLnBrk="1" latinLnBrk="0" hangingPunct="1">
+      <a:lvl9pPr marL="4070295" indent="-239429" algn="l" defTabSz="478858" rtl="0" eaLnBrk="1" latinLnBrk="0" hangingPunct="1">
         <a:spcBef>
           <a:spcPct val="20000"/>
         </a:spcBef>
         <a:buFont typeface="Arial"/>
         <a:buChar char="•"/>
-        <a:defRPr sz="9100" kern="1200">
+        <a:defRPr sz="2100" kern="1200">
           <a:solidFill>
             <a:schemeClr val="tx1"/>
           </a:solidFill>
@@ -2988,8 +2988,8 @@
       <a:defPPr>
         <a:defRPr lang="en-US"/>
       </a:defPPr>
-      <a:lvl1pPr marL="0" algn="l" defTabSz="2087438" rtl="0" eaLnBrk="1" latinLnBrk="0" hangingPunct="1">
-        <a:defRPr sz="8200" kern="1200">
+      <a:lvl1pPr marL="0" algn="l" defTabSz="478858" rtl="0" eaLnBrk="1" latinLnBrk="0" hangingPunct="1">
+        <a:defRPr sz="1900" kern="1200">
           <a:solidFill>
             <a:schemeClr val="tx1"/>
           </a:solidFill>
@@ -2998,8 +2998,8 @@
           <a:cs typeface="+mn-cs"/>
         </a:defRPr>
       </a:lvl1pPr>
-      <a:lvl2pPr marL="2087438" algn="l" defTabSz="2087438" rtl="0" eaLnBrk="1" latinLnBrk="0" hangingPunct="1">
-        <a:defRPr sz="8200" kern="1200">
+      <a:lvl2pPr marL="478858" algn="l" defTabSz="478858" rtl="0" eaLnBrk="1" latinLnBrk="0" hangingPunct="1">
+        <a:defRPr sz="1900" kern="1200">
           <a:solidFill>
             <a:schemeClr val="tx1"/>
           </a:solidFill>
@@ -3008,8 +3008,8 @@
           <a:cs typeface="+mn-cs"/>
         </a:defRPr>
       </a:lvl2pPr>
-      <a:lvl3pPr marL="4174876" algn="l" defTabSz="2087438" rtl="0" eaLnBrk="1" latinLnBrk="0" hangingPunct="1">
-        <a:defRPr sz="8200" kern="1200">
+      <a:lvl3pPr marL="957717" algn="l" defTabSz="478858" rtl="0" eaLnBrk="1" latinLnBrk="0" hangingPunct="1">
+        <a:defRPr sz="1900" kern="1200">
           <a:solidFill>
             <a:schemeClr val="tx1"/>
           </a:solidFill>
@@ -3018,8 +3018,8 @@
           <a:cs typeface="+mn-cs"/>
         </a:defRPr>
       </a:lvl3pPr>
-      <a:lvl4pPr marL="6262314" algn="l" defTabSz="2087438" rtl="0" eaLnBrk="1" latinLnBrk="0" hangingPunct="1">
-        <a:defRPr sz="8200" kern="1200">
+      <a:lvl4pPr marL="1436575" algn="l" defTabSz="478858" rtl="0" eaLnBrk="1" latinLnBrk="0" hangingPunct="1">
+        <a:defRPr sz="1900" kern="1200">
           <a:solidFill>
             <a:schemeClr val="tx1"/>
           </a:solidFill>
@@ -3028,8 +3028,8 @@
           <a:cs typeface="+mn-cs"/>
         </a:defRPr>
       </a:lvl4pPr>
-      <a:lvl5pPr marL="8349752" algn="l" defTabSz="2087438" rtl="0" eaLnBrk="1" latinLnBrk="0" hangingPunct="1">
-        <a:defRPr sz="8200" kern="1200">
+      <a:lvl5pPr marL="1915433" algn="l" defTabSz="478858" rtl="0" eaLnBrk="1" latinLnBrk="0" hangingPunct="1">
+        <a:defRPr sz="1900" kern="1200">
           <a:solidFill>
             <a:schemeClr val="tx1"/>
           </a:solidFill>
@@ -3038,8 +3038,8 @@
           <a:cs typeface="+mn-cs"/>
         </a:defRPr>
       </a:lvl5pPr>
-      <a:lvl6pPr marL="10437190" algn="l" defTabSz="2087438" rtl="0" eaLnBrk="1" latinLnBrk="0" hangingPunct="1">
-        <a:defRPr sz="8200" kern="1200">
+      <a:lvl6pPr marL="2394291" algn="l" defTabSz="478858" rtl="0" eaLnBrk="1" latinLnBrk="0" hangingPunct="1">
+        <a:defRPr sz="1900" kern="1200">
           <a:solidFill>
             <a:schemeClr val="tx1"/>
           </a:solidFill>
@@ -3048,8 +3048,8 @@
           <a:cs typeface="+mn-cs"/>
         </a:defRPr>
       </a:lvl6pPr>
-      <a:lvl7pPr marL="12524628" algn="l" defTabSz="2087438" rtl="0" eaLnBrk="1" latinLnBrk="0" hangingPunct="1">
-        <a:defRPr sz="8200" kern="1200">
+      <a:lvl7pPr marL="2873150" algn="l" defTabSz="478858" rtl="0" eaLnBrk="1" latinLnBrk="0" hangingPunct="1">
+        <a:defRPr sz="1900" kern="1200">
           <a:solidFill>
             <a:schemeClr val="tx1"/>
           </a:solidFill>
@@ -3058,8 +3058,8 @@
           <a:cs typeface="+mn-cs"/>
         </a:defRPr>
       </a:lvl7pPr>
-      <a:lvl8pPr marL="14612066" algn="l" defTabSz="2087438" rtl="0" eaLnBrk="1" latinLnBrk="0" hangingPunct="1">
-        <a:defRPr sz="8200" kern="1200">
+      <a:lvl8pPr marL="3352008" algn="l" defTabSz="478858" rtl="0" eaLnBrk="1" latinLnBrk="0" hangingPunct="1">
+        <a:defRPr sz="1900" kern="1200">
           <a:solidFill>
             <a:schemeClr val="tx1"/>
           </a:solidFill>
@@ -3068,8 +3068,8 @@
           <a:cs typeface="+mn-cs"/>
         </a:defRPr>
       </a:lvl8pPr>
-      <a:lvl9pPr marL="16699504" algn="l" defTabSz="2087438" rtl="0" eaLnBrk="1" latinLnBrk="0" hangingPunct="1">
-        <a:defRPr sz="8200" kern="1200">
+      <a:lvl9pPr marL="3830866" algn="l" defTabSz="478858" rtl="0" eaLnBrk="1" latinLnBrk="0" hangingPunct="1">
+        <a:defRPr sz="1900" kern="1200">
           <a:solidFill>
             <a:schemeClr val="tx1"/>
           </a:solidFill>
@@ -3108,8 +3108,8 @@
         </p:nvSpPr>
         <p:spPr>
           <a:xfrm>
-            <a:off x="-1" y="0"/>
-            <a:ext cx="30267275" cy="6626205"/>
+            <a:off x="0" y="0"/>
+            <a:ext cx="6858000" cy="1533832"/>
           </a:xfrm>
           <a:prstGeom prst="rect">
             <a:avLst/>
@@ -3130,42 +3130,42 @@
           </a:fontRef>
         </p:style>
         <p:txBody>
-          <a:bodyPr rtlCol="0" anchor="ctr"/>
+          <a:bodyPr lIns="20976" tIns="10488" rIns="20976" bIns="10488" rtlCol="0" anchor="ctr"/>
           <a:lstStyle/>
           <a:p>
             <a:pPr algn="ctr"/>
             <a:r>
-              <a:rPr lang="en-US" sz="13200" b="1" dirty="0" smtClean="0"/>
+              <a:rPr lang="en-US" sz="3000" b="1" dirty="0"/>
               <a:t>Response Time Service Level Agreements for Cloud-hosted Web Applications</a:t>
             </a:r>
           </a:p>
           <a:p>
             <a:pPr algn="ctr"/>
             <a:r>
-              <a:rPr lang="en-US" sz="6000" dirty="0" smtClean="0"/>
+              <a:rPr lang="en-US" sz="1400" dirty="0"/>
               <a:t>Hiranya Jayathilaka, Chandra </a:t>
             </a:r>
             <a:r>
-              <a:rPr lang="en-US" sz="6000" dirty="0" err="1" smtClean="0"/>
+              <a:rPr lang="en-US" sz="1400" dirty="0" err="1"/>
               <a:t>Krintz</a:t>
             </a:r>
             <a:r>
-              <a:rPr lang="en-US" sz="6000" dirty="0" smtClean="0"/>
+              <a:rPr lang="en-US" sz="1400" dirty="0"/>
               <a:t> and Rich </a:t>
             </a:r>
             <a:r>
-              <a:rPr lang="en-US" sz="6000" dirty="0" err="1" smtClean="0"/>
+              <a:rPr lang="en-US" sz="1400" dirty="0" err="1"/>
               <a:t>Wolski</a:t>
             </a:r>
-            <a:endParaRPr lang="en-US" sz="6000" dirty="0" smtClean="0"/>
+            <a:endParaRPr lang="en-US" sz="1400" dirty="0"/>
           </a:p>
           <a:p>
             <a:pPr algn="ctr"/>
             <a:r>
-              <a:rPr lang="en-US" sz="6000" dirty="0" smtClean="0"/>
+              <a:rPr lang="en-US" sz="1400" dirty="0"/>
               <a:t>University of California, Santa Barbara</a:t>
             </a:r>
-            <a:endParaRPr lang="en-US" sz="6000" dirty="0"/>
+            <a:endParaRPr lang="en-US" sz="1400" dirty="0"/>
           </a:p>
         </p:txBody>
       </p:sp>
@@ -3191,8 +3191,8 @@
         </p:blipFill>
         <p:spPr>
           <a:xfrm>
-            <a:off x="26560659" y="4809371"/>
-            <a:ext cx="3622450" cy="1690476"/>
+            <a:off x="6018150" y="1113272"/>
+            <a:ext cx="820780" cy="391311"/>
           </a:xfrm>
           <a:prstGeom prst="rect">
             <a:avLst/>
@@ -3221,8 +3221,8 @@
         </p:blipFill>
         <p:spPr>
           <a:xfrm>
-            <a:off x="165658" y="4070182"/>
-            <a:ext cx="2429665" cy="2429665"/>
+            <a:off x="37535" y="942165"/>
+            <a:ext cx="550517" cy="562418"/>
           </a:xfrm>
           <a:prstGeom prst="rect">
             <a:avLst/>
@@ -3237,8 +3237,8 @@
         </p:nvSpPr>
         <p:spPr>
           <a:xfrm>
-            <a:off x="334768" y="7123172"/>
-            <a:ext cx="29597738" cy="5245744"/>
+            <a:off x="75852" y="1648870"/>
+            <a:ext cx="6706295" cy="1214284"/>
           </a:xfrm>
           <a:prstGeom prst="roundRect">
             <a:avLst/>
@@ -3265,12 +3265,12 @@
           </a:fontRef>
         </p:style>
         <p:txBody>
-          <a:bodyPr rtlCol="0" anchor="ctr"/>
+          <a:bodyPr lIns="20976" tIns="10488" rIns="20976" bIns="10488" rtlCol="0" anchor="ctr"/>
           <a:lstStyle/>
           <a:p>
             <a:pPr algn="ctr"/>
             <a:r>
-              <a:rPr lang="en-US" sz="6600" b="1" dirty="0" smtClean="0">
+              <a:rPr lang="en-US" sz="1500" b="1" dirty="0">
                 <a:solidFill>
                   <a:srgbClr val="000000"/>
                 </a:solidFill>
@@ -3279,16 +3279,47 @@
             </a:r>
           </a:p>
           <a:p>
-            <a:pPr algn="just"/>
-            <a:r>
-              <a:rPr lang="en-US" sz="5400" dirty="0" smtClean="0">
+            <a:pPr marL="157323" indent="-157323" algn="just">
+              <a:buFont typeface="Arial"/>
+              <a:buChar char="•"/>
+            </a:pPr>
+            <a:r>
+              <a:rPr lang="en-US" sz="1200" dirty="0">
                 <a:solidFill>
                   <a:srgbClr val="000000"/>
                 </a:solidFill>
               </a:rPr>
-              <a:t>Modern cloud platforms do not provide any guarantees regarding the performance of deployed applications. This makes it difficult to use cloud-hosted web applications and web APIs for developing a wide range of other programs. Without proper tools to reason about the performance of cloud applications, developers must resort to extensive testing and profiling, which is tedious and costly.</a:t>
-            </a:r>
-            <a:endParaRPr lang="en-US" sz="6000" dirty="0">
+              <a:t>Many applications rely on the web APIs deployed in the cloud. </a:t>
+            </a:r>
+          </a:p>
+          <a:p>
+            <a:pPr marL="157323" indent="-157323" algn="just">
+              <a:buFont typeface="Arial"/>
+              <a:buChar char="•"/>
+            </a:pPr>
+            <a:r>
+              <a:rPr lang="en-US" sz="1200" dirty="0">
+                <a:solidFill>
+                  <a:srgbClr val="000000"/>
+                </a:solidFill>
+              </a:rPr>
+              <a:t>But modern cloud platforms do not provide any guarantees regarding the performance of deployed web APIs and applications. </a:t>
+            </a:r>
+          </a:p>
+          <a:p>
+            <a:pPr marL="157323" indent="-157323" algn="just">
+              <a:buFont typeface="Arial"/>
+              <a:buChar char="•"/>
+            </a:pPr>
+            <a:r>
+              <a:rPr lang="en-US" sz="1200" dirty="0">
+                <a:solidFill>
+                  <a:srgbClr val="000000"/>
+                </a:solidFill>
+              </a:rPr>
+              <a:t>There is a lack of tools for reasoning about the performance of cloud-hosted applications.</a:t>
+            </a:r>
+            <a:endParaRPr lang="en-US" sz="1400" dirty="0">
               <a:solidFill>
                 <a:srgbClr val="000000"/>
               </a:solidFill>
@@ -3304,8 +3335,8 @@
         </p:nvSpPr>
         <p:spPr>
           <a:xfrm>
-            <a:off x="376728" y="12631712"/>
-            <a:ext cx="29597738" cy="5038167"/>
+            <a:off x="85360" y="2923986"/>
+            <a:ext cx="6706295" cy="1166234"/>
           </a:xfrm>
           <a:prstGeom prst="roundRect">
             <a:avLst/>
@@ -3332,47 +3363,34 @@
           </a:fontRef>
         </p:style>
         <p:txBody>
-          <a:bodyPr rtlCol="0" anchor="ctr"/>
+          <a:bodyPr lIns="20976" tIns="10488" rIns="20976" bIns="10488" rtlCol="0" anchor="ctr"/>
           <a:lstStyle/>
           <a:p>
             <a:pPr algn="ctr"/>
             <a:r>
-              <a:rPr lang="en-US" sz="6600" b="1" dirty="0" smtClean="0">
+              <a:rPr lang="en-US" sz="1500" b="1" dirty="0">
                 <a:solidFill>
                   <a:srgbClr val="000000"/>
                 </a:solidFill>
               </a:rPr>
-              <a:t>Our Solution</a:t>
-            </a:r>
-          </a:p>
-          <a:p>
-            <a:pPr algn="just"/>
-            <a:r>
-              <a:rPr lang="en-US" sz="5400" dirty="0" smtClean="0">
+              <a:t>Our Solution: Cerebro</a:t>
+            </a:r>
+          </a:p>
+          <a:p>
+            <a:pPr marL="157323" indent="-157323" algn="just">
+              <a:buFont typeface="Arial"/>
+              <a:buChar char="•"/>
+            </a:pPr>
+            <a:r>
+              <a:rPr lang="en-US" sz="1200" dirty="0">
                 <a:solidFill>
                   <a:srgbClr val="000000"/>
                 </a:solidFill>
               </a:rPr>
-              <a:t>We propose </a:t>
-            </a:r>
-            <a:r>
-              <a:rPr lang="en-US" sz="5400" b="1" dirty="0" smtClean="0">
-                <a:solidFill>
-                  <a:srgbClr val="000000"/>
-                </a:solidFill>
-              </a:rPr>
-              <a:t>Cerebro</a:t>
-            </a:r>
-            <a:r>
-              <a:rPr lang="en-US" sz="5400" dirty="0" smtClean="0">
-                <a:solidFill>
-                  <a:srgbClr val="000000"/>
-                </a:solidFill>
-              </a:rPr>
-              <a:t>, a new approach that predicts statistical bounds on the response time performance of web applications deployed in Platform-as-a-Service (</a:t>
-            </a:r>
-            <a:r>
-              <a:rPr lang="en-US" sz="5400" dirty="0" err="1" smtClean="0">
+              <a:t>Computes statistical bounds on the response time performance of web applications/APIs deployed in </a:t>
+            </a:r>
+            <a:r>
+              <a:rPr lang="en-US" sz="1200" dirty="0" err="1">
                 <a:solidFill>
                   <a:srgbClr val="000000"/>
                 </a:solidFill>
@@ -3380,15 +3398,29 @@
               <a:t>PaaS</a:t>
             </a:r>
             <a:r>
-              <a:rPr lang="en-US" sz="5400" dirty="0" smtClean="0">
+              <a:rPr lang="en-US" sz="1200" dirty="0">
                 <a:solidFill>
                   <a:srgbClr val="000000"/>
                 </a:solidFill>
               </a:rPr>
-              <a:t>) clouds. Cerebro combines static analysis of </a:t>
-            </a:r>
-            <a:r>
-              <a:rPr lang="en-US" sz="5400" dirty="0" err="1" smtClean="0">
+              <a:t> clouds. </a:t>
+            </a:r>
+          </a:p>
+          <a:p>
+            <a:pPr marL="157323" indent="-157323" algn="just">
+              <a:buFont typeface="Arial"/>
+              <a:buChar char="•"/>
+            </a:pPr>
+            <a:r>
+              <a:rPr lang="en-US" sz="1200" dirty="0">
+                <a:solidFill>
+                  <a:srgbClr val="000000"/>
+                </a:solidFill>
+              </a:rPr>
+              <a:t>Combines static analysis of </a:t>
+            </a:r>
+            <a:r>
+              <a:rPr lang="en-US" sz="1200" dirty="0" err="1">
                 <a:solidFill>
                   <a:srgbClr val="000000"/>
                 </a:solidFill>
@@ -3396,14 +3428,14 @@
               <a:t>PaaS</a:t>
             </a:r>
             <a:r>
-              <a:rPr lang="en-US" sz="5400" dirty="0" smtClean="0">
+              <a:rPr lang="en-US" sz="1200" dirty="0">
                 <a:solidFill>
                   <a:srgbClr val="000000"/>
                 </a:solidFill>
               </a:rPr>
-              <a:t> applications with runtime monitoring of the underlying cloud platform to automatically predict performance SLAs for cloud-hosted web applications.</a:t>
-            </a:r>
-            <a:endParaRPr lang="en-US" sz="6000" dirty="0">
+              <a:t> applications with runtime monitoring of the cloud platform to automatically predict performance SLAs for cloud-hosted web applications.</a:t>
+            </a:r>
+            <a:endParaRPr lang="en-US" sz="1400" dirty="0">
               <a:solidFill>
                 <a:srgbClr val="000000"/>
               </a:solidFill>
@@ -3419,8 +3451,8 @@
         </p:nvSpPr>
         <p:spPr>
           <a:xfrm>
-            <a:off x="334768" y="17924982"/>
-            <a:ext cx="14707090" cy="12013608"/>
+            <a:off x="75852" y="4149271"/>
+            <a:ext cx="3332352" cy="2780907"/>
           </a:xfrm>
           <a:prstGeom prst="roundRect">
             <a:avLst/>
@@ -3447,12 +3479,12 @@
           </a:fontRef>
         </p:style>
         <p:txBody>
-          <a:bodyPr rtlCol="0" anchor="t" anchorCtr="0"/>
+          <a:bodyPr lIns="20976" tIns="10488" rIns="20976" bIns="10488" rtlCol="0" anchor="t" anchorCtr="0"/>
           <a:lstStyle/>
           <a:p>
             <a:pPr algn="ctr"/>
             <a:r>
-              <a:rPr lang="en-US" sz="6600" b="1" dirty="0" err="1" smtClean="0">
+              <a:rPr lang="en-US" sz="1500" b="1" dirty="0" err="1">
                 <a:solidFill>
                   <a:srgbClr val="000000"/>
                 </a:solidFill>
@@ -3460,7 +3492,7 @@
               <a:t>PaaS</a:t>
             </a:r>
             <a:r>
-              <a:rPr lang="en-US" sz="6600" b="1" dirty="0" smtClean="0">
+              <a:rPr lang="en-US" sz="1500" b="1" dirty="0">
                 <a:solidFill>
                   <a:srgbClr val="000000"/>
                 </a:solidFill>
@@ -3492,8 +3524,8 @@
         </p:blipFill>
         <p:spPr>
           <a:xfrm>
-            <a:off x="2198440" y="20231145"/>
-            <a:ext cx="10973416" cy="9347439"/>
+            <a:off x="498126" y="4683101"/>
+            <a:ext cx="2486371" cy="2163743"/>
           </a:xfrm>
           <a:prstGeom prst="rect">
             <a:avLst/>
@@ -3508,8 +3540,8 @@
         </p:nvSpPr>
         <p:spPr>
           <a:xfrm>
-            <a:off x="15267376" y="17958315"/>
-            <a:ext cx="14707090" cy="11980275"/>
+            <a:off x="3459303" y="4156987"/>
+            <a:ext cx="3332352" cy="2773191"/>
           </a:xfrm>
           <a:prstGeom prst="roundRect">
             <a:avLst/>
@@ -3536,12 +3568,12 @@
           </a:fontRef>
         </p:style>
         <p:txBody>
-          <a:bodyPr rtlCol="0" anchor="t" anchorCtr="0"/>
+          <a:bodyPr lIns="20976" tIns="10488" rIns="20976" bIns="10488" rtlCol="0" anchor="t" anchorCtr="0"/>
           <a:lstStyle/>
           <a:p>
             <a:pPr algn="ctr"/>
             <a:r>
-              <a:rPr lang="en-US" sz="6600" b="1" dirty="0" smtClean="0">
+              <a:rPr lang="en-US" sz="1500" b="1" dirty="0">
                 <a:solidFill>
                   <a:srgbClr val="000000"/>
                 </a:solidFill>
@@ -3573,8 +3605,8 @@
         </p:blipFill>
         <p:spPr>
           <a:xfrm>
-            <a:off x="15683012" y="19546389"/>
-            <a:ext cx="14013638" cy="10062783"/>
+            <a:off x="3553478" y="4524593"/>
+            <a:ext cx="3175229" cy="2329331"/>
           </a:xfrm>
           <a:prstGeom prst="rect">
             <a:avLst/>
@@ -3603,8 +3635,8 @@
         </p:blipFill>
         <p:spPr>
           <a:xfrm>
-            <a:off x="1149807" y="32282823"/>
-            <a:ext cx="13262526" cy="8841686"/>
+            <a:off x="260525" y="7472820"/>
+            <a:ext cx="3005041" cy="2046671"/>
           </a:xfrm>
           <a:prstGeom prst="rect">
             <a:avLst/>
@@ -3619,8 +3651,8 @@
         </p:nvSpPr>
         <p:spPr>
           <a:xfrm>
-            <a:off x="334768" y="30217543"/>
-            <a:ext cx="14707090" cy="12013608"/>
+            <a:off x="75852" y="6994750"/>
+            <a:ext cx="3332352" cy="2780907"/>
           </a:xfrm>
           <a:prstGeom prst="roundRect">
             <a:avLst/>
@@ -3647,12 +3679,12 @@
           </a:fontRef>
         </p:style>
         <p:txBody>
-          <a:bodyPr rtlCol="0" anchor="t" anchorCtr="0"/>
+          <a:bodyPr lIns="20976" tIns="10488" rIns="20976" bIns="10488" rtlCol="0" anchor="t" anchorCtr="0"/>
           <a:lstStyle/>
           <a:p>
             <a:pPr algn="ctr"/>
             <a:r>
-              <a:rPr lang="en-US" sz="6600" b="1" dirty="0" smtClean="0">
+              <a:rPr lang="en-US" sz="1500" b="1" dirty="0">
                 <a:solidFill>
                   <a:srgbClr val="000000"/>
                 </a:solidFill>
@@ -3670,8 +3702,8 @@
         </p:nvSpPr>
         <p:spPr>
           <a:xfrm>
-            <a:off x="15267376" y="30217543"/>
-            <a:ext cx="14707090" cy="12013608"/>
+            <a:off x="3459303" y="6994750"/>
+            <a:ext cx="3332352" cy="2780907"/>
           </a:xfrm>
           <a:prstGeom prst="roundRect">
             <a:avLst/>
@@ -3698,12 +3730,12 @@
           </a:fontRef>
         </p:style>
         <p:txBody>
-          <a:bodyPr rtlCol="0" anchor="t" anchorCtr="0"/>
+          <a:bodyPr lIns="20976" tIns="10488" rIns="20976" bIns="10488" rtlCol="0" anchor="t" anchorCtr="0"/>
           <a:lstStyle/>
           <a:p>
             <a:pPr algn="ctr"/>
             <a:r>
-              <a:rPr lang="en-US" sz="6600" b="1" dirty="0" smtClean="0">
+              <a:rPr lang="en-US" sz="1500" b="1" dirty="0">
                 <a:solidFill>
                   <a:srgbClr val="000000"/>
                 </a:solidFill>
@@ -3735,8 +3767,8 @@
         </p:blipFill>
         <p:spPr>
           <a:xfrm>
-            <a:off x="16045902" y="32282542"/>
-            <a:ext cx="13267944" cy="8842248"/>
+            <a:off x="3635702" y="7472755"/>
+            <a:ext cx="3006269" cy="2046801"/>
           </a:xfrm>
           <a:prstGeom prst="rect">
             <a:avLst/>
@@ -3751,8 +3783,8 @@
         </p:nvSpPr>
         <p:spPr>
           <a:xfrm>
-            <a:off x="821025" y="26065553"/>
-            <a:ext cx="2347807" cy="1232997"/>
+            <a:off x="186029" y="6033648"/>
+            <a:ext cx="531969" cy="285414"/>
           </a:xfrm>
           <a:prstGeom prst="wedgeRectCallout">
             <a:avLst>
@@ -3782,15 +3814,15 @@
           </a:fontRef>
         </p:style>
         <p:txBody>
-          <a:bodyPr rtlCol="0" anchor="ctr"/>
+          <a:bodyPr lIns="20976" tIns="10488" rIns="20976" bIns="10488" rtlCol="0" anchor="ctr"/>
           <a:lstStyle/>
           <a:p>
             <a:pPr algn="ctr"/>
             <a:r>
-              <a:rPr lang="en-US" sz="2400" dirty="0" smtClean="0"/>
+              <a:rPr lang="en-US" sz="600" dirty="0"/>
               <a:t>90+% of the Application’s Execution Time</a:t>
             </a:r>
-            <a:endParaRPr lang="en-US" sz="2400" dirty="0"/>
+            <a:endParaRPr lang="en-US" sz="600" dirty="0"/>
           </a:p>
         </p:txBody>
       </p:sp>
@@ -3802,8 +3834,8 @@
         </p:nvSpPr>
         <p:spPr>
           <a:xfrm>
-            <a:off x="16045902" y="20231145"/>
-            <a:ext cx="5684449" cy="1952008"/>
+            <a:off x="3635702" y="4683101"/>
+            <a:ext cx="1287990" cy="451850"/>
           </a:xfrm>
           <a:prstGeom prst="horizontalScroll">
             <a:avLst/>
@@ -3830,39 +3862,39 @@
           </a:fontRef>
         </p:style>
         <p:txBody>
-          <a:bodyPr rtlCol="0" anchor="ctr"/>
+          <a:bodyPr lIns="20976" tIns="10488" rIns="20976" bIns="10488" rtlCol="0" anchor="ctr"/>
           <a:lstStyle/>
           <a:p>
             <a:pPr algn="ctr"/>
             <a:r>
-              <a:rPr lang="en-US" sz="2400" dirty="0" smtClean="0"/>
+              <a:rPr lang="en-US" sz="600" dirty="0"/>
               <a:t>We implemented this architecture for Google App Engine public </a:t>
             </a:r>
             <a:r>
-              <a:rPr lang="en-US" sz="2400" dirty="0" err="1" smtClean="0"/>
+              <a:rPr lang="en-US" sz="600" dirty="0" err="1"/>
               <a:t>PaaS</a:t>
             </a:r>
             <a:r>
-              <a:rPr lang="en-US" sz="2400" dirty="0" smtClean="0"/>
+              <a:rPr lang="en-US" sz="600" dirty="0"/>
               <a:t>, and </a:t>
             </a:r>
             <a:r>
-              <a:rPr lang="en-US" sz="2400" dirty="0" err="1" smtClean="0"/>
+              <a:rPr lang="en-US" sz="600" dirty="0" err="1"/>
               <a:t>AppScale</a:t>
             </a:r>
             <a:r>
-              <a:rPr lang="en-US" sz="2400" dirty="0" smtClean="0"/>
+              <a:rPr lang="en-US" sz="600" dirty="0"/>
               <a:t> private </a:t>
             </a:r>
             <a:r>
-              <a:rPr lang="en-US" sz="2400" dirty="0" err="1" smtClean="0"/>
+              <a:rPr lang="en-US" sz="600" dirty="0" err="1"/>
               <a:t>PaaS</a:t>
             </a:r>
             <a:r>
-              <a:rPr lang="en-US" sz="2400" dirty="0" smtClean="0"/>
+              <a:rPr lang="en-US" sz="600" dirty="0"/>
               <a:t>.</a:t>
             </a:r>
-            <a:endParaRPr lang="en-US" sz="2400" dirty="0"/>
+            <a:endParaRPr lang="en-US" sz="600" dirty="0"/>
           </a:p>
         </p:txBody>
       </p:sp>
@@ -3874,8 +3906,8 @@
         </p:nvSpPr>
         <p:spPr>
           <a:xfrm>
-            <a:off x="22586211" y="32600677"/>
-            <a:ext cx="4312994" cy="1904590"/>
+            <a:off x="5117614" y="7546397"/>
+            <a:ext cx="977244" cy="440874"/>
           </a:xfrm>
           <a:prstGeom prst="wedgeRectCallout">
             <a:avLst>
@@ -3905,15 +3937,15 @@
           </a:fontRef>
         </p:style>
         <p:txBody>
-          <a:bodyPr rtlCol="0" anchor="ctr"/>
+          <a:bodyPr lIns="20976" tIns="10488" rIns="20976" bIns="10488" rtlCol="0" anchor="ctr"/>
           <a:lstStyle/>
           <a:p>
             <a:pPr algn="ctr"/>
             <a:r>
-              <a:rPr lang="en-US" sz="2400" dirty="0" smtClean="0"/>
+              <a:rPr lang="en-US" sz="600" dirty="0"/>
               <a:t>When application performance is highly variable, Cerebro trades off tightness for accuracy.</a:t>
             </a:r>
-            <a:endParaRPr lang="en-US" sz="2400" dirty="0"/>
+            <a:endParaRPr lang="en-US" sz="600" dirty="0"/>
           </a:p>
         </p:txBody>
       </p:sp>
@@ -3925,8 +3957,8 @@
         </p:nvSpPr>
         <p:spPr>
           <a:xfrm>
-            <a:off x="1585901" y="41201925"/>
-            <a:ext cx="12390339" cy="461665"/>
+            <a:off x="359336" y="9537412"/>
+            <a:ext cx="2807420" cy="205847"/>
           </a:xfrm>
           <a:prstGeom prst="rect">
             <a:avLst/>
@@ -3934,25 +3966,25 @@
           <a:noFill/>
         </p:spPr>
         <p:txBody>
-          <a:bodyPr wrap="square" rtlCol="0">
+          <a:bodyPr wrap="square" lIns="20976" tIns="10488" rIns="20976" bIns="10488" rtlCol="0">
             <a:spAutoFit/>
           </a:bodyPr>
           <a:lstStyle/>
           <a:p>
             <a:pPr algn="ctr"/>
             <a:r>
-              <a:rPr lang="en-US" sz="2400" b="1" dirty="0" smtClean="0"/>
+              <a:rPr lang="en-US" sz="600" b="1" dirty="0"/>
               <a:t>Percentage of actual response time measurements lower than the predicted 95</a:t>
             </a:r>
             <a:r>
-              <a:rPr lang="en-US" sz="2400" b="1" baseline="30000" dirty="0" smtClean="0"/>
+              <a:rPr lang="en-US" sz="600" b="1" baseline="30000" dirty="0"/>
               <a:t>th</a:t>
             </a:r>
             <a:r>
-              <a:rPr lang="en-US" sz="2400" b="1" dirty="0" smtClean="0"/>
+              <a:rPr lang="en-US" sz="600" b="1" dirty="0"/>
               <a:t> percentile SLA.</a:t>
             </a:r>
-            <a:endParaRPr lang="en-US" sz="2400" b="1" dirty="0"/>
+            <a:endParaRPr lang="en-US" sz="600" b="1" dirty="0"/>
           </a:p>
         </p:txBody>
       </p:sp>
@@ -3964,8 +3996,8 @@
         </p:nvSpPr>
         <p:spPr>
           <a:xfrm>
-            <a:off x="16484705" y="41201925"/>
-            <a:ext cx="12390339" cy="461665"/>
+            <a:off x="3735127" y="9537412"/>
+            <a:ext cx="2807420" cy="113514"/>
           </a:xfrm>
           <a:prstGeom prst="rect">
             <a:avLst/>
@@ -3973,17 +4005,17 @@
           <a:noFill/>
         </p:spPr>
         <p:txBody>
-          <a:bodyPr wrap="square" rtlCol="0">
+          <a:bodyPr wrap="square" lIns="20976" tIns="10488" rIns="20976" bIns="10488" rtlCol="0">
             <a:spAutoFit/>
           </a:bodyPr>
           <a:lstStyle/>
           <a:p>
             <a:pPr algn="ctr"/>
             <a:r>
-              <a:rPr lang="en-US" sz="2400" b="1" dirty="0" smtClean="0"/>
+              <a:rPr lang="en-US" sz="600" b="1" dirty="0"/>
               <a:t>Average difference between predicted SLAs and actual response time measurements.</a:t>
             </a:r>
-            <a:endParaRPr lang="en-US" sz="2400" b="1" dirty="0"/>
+            <a:endParaRPr lang="en-US" sz="600" b="1" dirty="0"/>
           </a:p>
         </p:txBody>
       </p:sp>
@@ -3995,8 +4027,8 @@
         </p:nvCxnSpPr>
         <p:spPr>
           <a:xfrm>
-            <a:off x="2409242" y="35652916"/>
-            <a:ext cx="12003091" cy="18676"/>
+            <a:off x="545889" y="8252929"/>
+            <a:ext cx="2719677" cy="4323"/>
           </a:xfrm>
           <a:prstGeom prst="line">
             <a:avLst/>
@@ -4022,6 +4054,261 @@
           </a:fontRef>
         </p:style>
       </p:cxnSp>
+      <p:sp>
+        <p:nvSpPr>
+          <p:cNvPr id="22" name="Rectangular Callout 21"/>
+          <p:cNvSpPr/>
+          <p:nvPr/>
+        </p:nvSpPr>
+        <p:spPr>
+          <a:xfrm>
+            <a:off x="3635702" y="5237150"/>
+            <a:ext cx="614193" cy="341472"/>
+          </a:xfrm>
+          <a:prstGeom prst="wedgeRectCallout">
+            <a:avLst>
+              <a:gd name="adj1" fmla="val 90338"/>
+              <a:gd name="adj2" fmla="val 60800"/>
+            </a:avLst>
+          </a:prstGeom>
+          <a:solidFill>
+            <a:srgbClr val="008000"/>
+          </a:solidFill>
+          <a:ln>
+            <a:noFill/>
+          </a:ln>
+        </p:spPr>
+        <p:style>
+          <a:lnRef idx="1">
+            <a:schemeClr val="accent1"/>
+          </a:lnRef>
+          <a:fillRef idx="3">
+            <a:schemeClr val="accent1"/>
+          </a:fillRef>
+          <a:effectRef idx="2">
+            <a:schemeClr val="accent1"/>
+          </a:effectRef>
+          <a:fontRef idx="minor">
+            <a:schemeClr val="lt1"/>
+          </a:fontRef>
+        </p:style>
+        <p:txBody>
+          <a:bodyPr lIns="20976" tIns="10488" rIns="20976" bIns="10488" rtlCol="0" anchor="ctr"/>
+          <a:lstStyle/>
+          <a:p>
+            <a:pPr algn="ctr"/>
+            <a:r>
+              <a:rPr lang="en-US" sz="600" dirty="0"/>
+              <a:t>Periodic benchmarking and time series building</a:t>
+            </a:r>
+            <a:endParaRPr lang="en-US" sz="600" dirty="0"/>
+          </a:p>
+        </p:txBody>
+      </p:sp>
+      <p:sp>
+        <p:nvSpPr>
+          <p:cNvPr id="27" name="Rectangular Callout 26"/>
+          <p:cNvSpPr/>
+          <p:nvPr/>
+        </p:nvSpPr>
+        <p:spPr>
+          <a:xfrm>
+            <a:off x="5081015" y="5094443"/>
+            <a:ext cx="531969" cy="285414"/>
+          </a:xfrm>
+          <a:prstGeom prst="wedgeRectCallout">
+            <a:avLst>
+              <a:gd name="adj1" fmla="val 83118"/>
+              <a:gd name="adj2" fmla="val 99722"/>
+            </a:avLst>
+          </a:prstGeom>
+          <a:solidFill>
+            <a:srgbClr val="008000"/>
+          </a:solidFill>
+          <a:ln>
+            <a:noFill/>
+          </a:ln>
+        </p:spPr>
+        <p:style>
+          <a:lnRef idx="1">
+            <a:schemeClr val="accent1"/>
+          </a:lnRef>
+          <a:fillRef idx="3">
+            <a:schemeClr val="accent1"/>
+          </a:fillRef>
+          <a:effectRef idx="2">
+            <a:schemeClr val="accent1"/>
+          </a:effectRef>
+          <a:fontRef idx="minor">
+            <a:schemeClr val="lt1"/>
+          </a:fontRef>
+        </p:style>
+        <p:txBody>
+          <a:bodyPr lIns="20976" tIns="10488" rIns="20976" bIns="10488" rtlCol="0" anchor="ctr"/>
+          <a:lstStyle/>
+          <a:p>
+            <a:pPr algn="ctr"/>
+            <a:r>
+              <a:rPr lang="en-US" sz="600" dirty="0"/>
+              <a:t>Extracting cloud SDK calls</a:t>
+            </a:r>
+            <a:endParaRPr lang="en-US" sz="600" dirty="0"/>
+          </a:p>
+        </p:txBody>
+      </p:sp>
+      <p:sp>
+        <p:nvSpPr>
+          <p:cNvPr id="29" name="Rectangular Callout 28"/>
+          <p:cNvSpPr/>
+          <p:nvPr/>
+        </p:nvSpPr>
+        <p:spPr>
+          <a:xfrm>
+            <a:off x="186029" y="5134951"/>
+            <a:ext cx="531969" cy="285414"/>
+          </a:xfrm>
+          <a:prstGeom prst="wedgeRectCallout">
+            <a:avLst>
+              <a:gd name="adj1" fmla="val 102908"/>
+              <a:gd name="adj2" fmla="val 54500"/>
+            </a:avLst>
+          </a:prstGeom>
+          <a:solidFill>
+            <a:srgbClr val="008000"/>
+          </a:solidFill>
+          <a:ln>
+            <a:noFill/>
+          </a:ln>
+        </p:spPr>
+        <p:style>
+          <a:lnRef idx="1">
+            <a:schemeClr val="accent1"/>
+          </a:lnRef>
+          <a:fillRef idx="3">
+            <a:schemeClr val="accent1"/>
+          </a:fillRef>
+          <a:effectRef idx="2">
+            <a:schemeClr val="accent1"/>
+          </a:effectRef>
+          <a:fontRef idx="minor">
+            <a:schemeClr val="lt1"/>
+          </a:fontRef>
+        </p:style>
+        <p:txBody>
+          <a:bodyPr lIns="20976" tIns="10488" rIns="20976" bIns="10488" rtlCol="0" anchor="ctr"/>
+          <a:lstStyle/>
+          <a:p>
+            <a:pPr algn="ctr"/>
+            <a:r>
+              <a:rPr lang="en-US" sz="600" dirty="0"/>
+              <a:t>Scalable, high available &amp; cost effective</a:t>
+            </a:r>
+            <a:endParaRPr lang="en-US" sz="600" dirty="0"/>
+          </a:p>
+        </p:txBody>
+      </p:sp>
+      <p:sp>
+        <p:nvSpPr>
+          <p:cNvPr id="34" name="Rectangular Callout 33"/>
+          <p:cNvSpPr/>
+          <p:nvPr/>
+        </p:nvSpPr>
+        <p:spPr>
+          <a:xfrm>
+            <a:off x="2529508" y="4971990"/>
+            <a:ext cx="637248" cy="448375"/>
+          </a:xfrm>
+          <a:prstGeom prst="wedgeRectCallout">
+            <a:avLst>
+              <a:gd name="adj1" fmla="val -93133"/>
+              <a:gd name="adj2" fmla="val 134103"/>
+            </a:avLst>
+          </a:prstGeom>
+          <a:solidFill>
+            <a:srgbClr val="008000"/>
+          </a:solidFill>
+          <a:ln>
+            <a:noFill/>
+          </a:ln>
+        </p:spPr>
+        <p:style>
+          <a:lnRef idx="1">
+            <a:schemeClr val="accent1"/>
+          </a:lnRef>
+          <a:fillRef idx="3">
+            <a:schemeClr val="accent1"/>
+          </a:fillRef>
+          <a:effectRef idx="2">
+            <a:schemeClr val="accent1"/>
+          </a:effectRef>
+          <a:fontRef idx="minor">
+            <a:schemeClr val="lt1"/>
+          </a:fontRef>
+        </p:style>
+        <p:txBody>
+          <a:bodyPr lIns="20976" tIns="10488" rIns="20976" bIns="10488" rtlCol="0" anchor="ctr"/>
+          <a:lstStyle/>
+          <a:p>
+            <a:pPr algn="ctr"/>
+            <a:r>
+              <a:rPr lang="en-US" sz="600" dirty="0"/>
+              <a:t>Request-response driven programming model</a:t>
+            </a:r>
+            <a:endParaRPr lang="en-US" sz="600" dirty="0"/>
+          </a:p>
+        </p:txBody>
+      </p:sp>
+      <p:sp>
+        <p:nvSpPr>
+          <p:cNvPr id="36" name="Rectangular Callout 35"/>
+          <p:cNvSpPr/>
+          <p:nvPr/>
+        </p:nvSpPr>
+        <p:spPr>
+          <a:xfrm>
+            <a:off x="2733597" y="5674550"/>
+            <a:ext cx="593196" cy="359098"/>
+          </a:xfrm>
+          <a:prstGeom prst="wedgeRectCallout">
+            <a:avLst>
+              <a:gd name="adj1" fmla="val -109507"/>
+              <a:gd name="adj2" fmla="val 106423"/>
+            </a:avLst>
+          </a:prstGeom>
+          <a:solidFill>
+            <a:srgbClr val="008000"/>
+          </a:solidFill>
+          <a:ln>
+            <a:noFill/>
+          </a:ln>
+        </p:spPr>
+        <p:style>
+          <a:lnRef idx="1">
+            <a:schemeClr val="accent1"/>
+          </a:lnRef>
+          <a:fillRef idx="3">
+            <a:schemeClr val="accent1"/>
+          </a:fillRef>
+          <a:effectRef idx="2">
+            <a:schemeClr val="accent1"/>
+          </a:effectRef>
+          <a:fontRef idx="minor">
+            <a:schemeClr val="lt1"/>
+          </a:fontRef>
+        </p:style>
+        <p:txBody>
+          <a:bodyPr lIns="20976" tIns="10488" rIns="20976" bIns="10488" rtlCol="0" anchor="ctr"/>
+          <a:lstStyle/>
+          <a:p>
+            <a:pPr algn="ctr"/>
+            <a:r>
+              <a:rPr lang="en-US" sz="600" dirty="0"/>
+              <a:t>Restrictions on I/O and threads</a:t>
+            </a:r>
+            <a:endParaRPr lang="en-US" sz="600" dirty="0"/>
+          </a:p>
+        </p:txBody>
+      </p:sp>
     </p:spTree>
     <p:extLst>
       <p:ext uri="{BB962C8B-B14F-4D97-AF65-F5344CB8AC3E}">
